--- a/WasteDrop_Presentation_Slides.pptx
+++ b/WasteDrop_Presentation_Slides.pptx
@@ -109,7 +109,41 @@
       </a:defRPr>
     </a:lvl9pPr>
   </p:defaultTextStyle>
+  <p:extLst>
+    <p:ext uri="{EFAFB233-063F-42B5-8137-9DF3F51BA10A}">
+      <p15:sldGuideLst xmlns:p15="http://schemas.microsoft.com/office/powerpoint/2012/main"/>
+    </p:ext>
+  </p:extLst>
 </p:presentation>
+</file>
+
+<file path=ppt/changesInfos/changesInfo1.xml><?xml version="1.0" encoding="utf-8"?>
+<pc:chgInfo xmlns:a="http://schemas.openxmlformats.org/drawingml/2006/main" xmlns:r="http://schemas.openxmlformats.org/officeDocument/2006/relationships" xmlns:ac="http://schemas.microsoft.com/office/drawing/2013/main/command" xmlns:pc="http://schemas.microsoft.com/office/powerpoint/2013/main/command">
+  <pc:docChgLst>
+    <pc:chgData name="Edward Basulto" userId="9e917bb861332276" providerId="LiveId" clId="{7BF2F06E-DA08-43E8-9617-FF0D94D4E9AA}"/>
+    <pc:docChg chg="custSel modSld">
+      <pc:chgData name="Edward Basulto" userId="9e917bb861332276" providerId="LiveId" clId="{7BF2F06E-DA08-43E8-9617-FF0D94D4E9AA}" dt="2023-11-29T23:43:57.957" v="1" actId="33524"/>
+      <pc:docMkLst>
+        <pc:docMk/>
+      </pc:docMkLst>
+      <pc:sldChg chg="modSp mod">
+        <pc:chgData name="Edward Basulto" userId="9e917bb861332276" providerId="LiveId" clId="{7BF2F06E-DA08-43E8-9617-FF0D94D4E9AA}" dt="2023-11-29T23:43:57.957" v="1" actId="33524"/>
+        <pc:sldMkLst>
+          <pc:docMk/>
+          <pc:sldMk cId="2502360678" sldId="259"/>
+        </pc:sldMkLst>
+        <pc:spChg chg="mod">
+          <ac:chgData name="Edward Basulto" userId="9e917bb861332276" providerId="LiveId" clId="{7BF2F06E-DA08-43E8-9617-FF0D94D4E9AA}" dt="2023-11-29T23:43:57.957" v="1" actId="33524"/>
+          <ac:spMkLst>
+            <pc:docMk/>
+            <pc:sldMk cId="2502360678" sldId="259"/>
+            <ac:spMk id="3" creationId="{6F97FF55-F254-C306-6670-AF82B4460AC1}"/>
+          </ac:spMkLst>
+        </pc:spChg>
+      </pc:sldChg>
+    </pc:docChg>
+  </pc:docChgLst>
+</pc:chgInfo>
 </file>
 
 <file path=ppt/slideLayouts/slideLayout1.xml><?xml version="1.0" encoding="utf-8"?>
@@ -169,7 +203,7 @@
           <a:noFill/>
           <a:extLst>
             <a:ext uri="{909E8E84-426E-40dd-AFC4-6F175D3DCCD1}">
-              <a14:hiddenFill xmlns:a14="http://schemas.microsoft.com/office/drawing/2010/main" xmlns="">
+              <a14:hiddenFill xmlns="" xmlns:a14="http://schemas.microsoft.com/office/drawing/2010/main">
                 <a:solidFill>
                   <a:srgbClr val="FFFFFF"/>
                 </a:solidFill>
@@ -228,7 +262,7 @@
             </a:ln>
             <a:extLst>
               <a:ext uri="{91240B29-F687-4f45-9708-019B960494DF}">
-                <a14:hiddenLine xmlns:a14="http://schemas.microsoft.com/office/drawing/2010/main" xmlns="" w="9525">
+                <a14:hiddenLine xmlns="" xmlns:a14="http://schemas.microsoft.com/office/drawing/2010/main" w="9525">
                   <a:solidFill>
                     <a:srgbClr val="000000"/>
                   </a:solidFill>
@@ -318,7 +352,7 @@
             </a:ln>
             <a:extLst>
               <a:ext uri="{91240B29-F687-4f45-9708-019B960494DF}">
-                <a14:hiddenLine xmlns:a14="http://schemas.microsoft.com/office/drawing/2010/main" xmlns="" w="9525">
+                <a14:hiddenLine xmlns="" xmlns:a14="http://schemas.microsoft.com/office/drawing/2010/main" w="9525">
                   <a:solidFill>
                     <a:srgbClr val="000000"/>
                   </a:solidFill>
@@ -408,7 +442,7 @@
             </a:ln>
             <a:extLst>
               <a:ext uri="{91240B29-F687-4f45-9708-019B960494DF}">
-                <a14:hiddenLine xmlns:a14="http://schemas.microsoft.com/office/drawing/2010/main" xmlns="" w="9525">
+                <a14:hiddenLine xmlns="" xmlns:a14="http://schemas.microsoft.com/office/drawing/2010/main" w="9525">
                   <a:solidFill>
                     <a:srgbClr val="000000"/>
                   </a:solidFill>
@@ -442,7 +476,7 @@
             </a:ln>
             <a:extLst>
               <a:ext uri="{91240B29-F687-4f45-9708-019B960494DF}">
-                <a14:hiddenLine xmlns:a14="http://schemas.microsoft.com/office/drawing/2010/main" xmlns="" w="9525">
+                <a14:hiddenLine xmlns="" xmlns:a14="http://schemas.microsoft.com/office/drawing/2010/main" w="9525">
                   <a:solidFill>
                     <a:srgbClr val="000000"/>
                   </a:solidFill>
@@ -532,7 +566,7 @@
             </a:ln>
             <a:extLst>
               <a:ext uri="{91240B29-F687-4f45-9708-019B960494DF}">
-                <a14:hiddenLine xmlns:a14="http://schemas.microsoft.com/office/drawing/2010/main" xmlns="" w="9525">
+                <a14:hiddenLine xmlns="" xmlns:a14="http://schemas.microsoft.com/office/drawing/2010/main" w="9525">
                   <a:solidFill>
                     <a:srgbClr val="000000"/>
                   </a:solidFill>
@@ -594,7 +628,7 @@
             </a:ln>
             <a:extLst>
               <a:ext uri="{91240B29-F687-4f45-9708-019B960494DF}">
-                <a14:hiddenLine xmlns:a14="http://schemas.microsoft.com/office/drawing/2010/main" xmlns="" w="9525">
+                <a14:hiddenLine xmlns="" xmlns:a14="http://schemas.microsoft.com/office/drawing/2010/main" w="9525">
                   <a:solidFill>
                     <a:srgbClr val="000000"/>
                   </a:solidFill>
@@ -656,7 +690,7 @@
             </a:ln>
             <a:extLst>
               <a:ext uri="{91240B29-F687-4f45-9708-019B960494DF}">
-                <a14:hiddenLine xmlns:a14="http://schemas.microsoft.com/office/drawing/2010/main" xmlns="" w="9525">
+                <a14:hiddenLine xmlns="" xmlns:a14="http://schemas.microsoft.com/office/drawing/2010/main" w="9525">
                   <a:solidFill>
                     <a:srgbClr val="000000"/>
                   </a:solidFill>
@@ -746,7 +780,7 @@
             </a:ln>
             <a:extLst>
               <a:ext uri="{91240B29-F687-4f45-9708-019B960494DF}">
-                <a14:hiddenLine xmlns:a14="http://schemas.microsoft.com/office/drawing/2010/main" xmlns="" w="9525">
+                <a14:hiddenLine xmlns="" xmlns:a14="http://schemas.microsoft.com/office/drawing/2010/main" w="9525">
                   <a:solidFill>
                     <a:srgbClr val="000000"/>
                   </a:solidFill>
@@ -808,7 +842,7 @@
             </a:ln>
             <a:extLst>
               <a:ext uri="{91240B29-F687-4f45-9708-019B960494DF}">
-                <a14:hiddenLine xmlns:a14="http://schemas.microsoft.com/office/drawing/2010/main" xmlns="" w="9525">
+                <a14:hiddenLine xmlns="" xmlns:a14="http://schemas.microsoft.com/office/drawing/2010/main" w="9525">
                   <a:solidFill>
                     <a:srgbClr val="000000"/>
                   </a:solidFill>
@@ -870,7 +904,7 @@
             </a:ln>
             <a:extLst>
               <a:ext uri="{91240B29-F687-4f45-9708-019B960494DF}">
-                <a14:hiddenLine xmlns:a14="http://schemas.microsoft.com/office/drawing/2010/main" xmlns="" w="9525">
+                <a14:hiddenLine xmlns="" xmlns:a14="http://schemas.microsoft.com/office/drawing/2010/main" w="9525">
                   <a:solidFill>
                     <a:srgbClr val="000000"/>
                   </a:solidFill>
@@ -960,7 +994,7 @@
             </a:ln>
             <a:extLst>
               <a:ext uri="{91240B29-F687-4f45-9708-019B960494DF}">
-                <a14:hiddenLine xmlns:a14="http://schemas.microsoft.com/office/drawing/2010/main" xmlns="" w="9525">
+                <a14:hiddenLine xmlns="" xmlns:a14="http://schemas.microsoft.com/office/drawing/2010/main" w="9525">
                   <a:solidFill>
                     <a:srgbClr val="000000"/>
                   </a:solidFill>
@@ -1050,7 +1084,7 @@
             </a:ln>
             <a:extLst>
               <a:ext uri="{91240B29-F687-4f45-9708-019B960494DF}">
-                <a14:hiddenLine xmlns:a14="http://schemas.microsoft.com/office/drawing/2010/main" xmlns="" w="9525">
+                <a14:hiddenLine xmlns="" xmlns:a14="http://schemas.microsoft.com/office/drawing/2010/main" w="9525">
                   <a:solidFill>
                     <a:srgbClr val="000000"/>
                   </a:solidFill>
@@ -1112,7 +1146,7 @@
             </a:ln>
             <a:extLst>
               <a:ext uri="{91240B29-F687-4f45-9708-019B960494DF}">
-                <a14:hiddenLine xmlns:a14="http://schemas.microsoft.com/office/drawing/2010/main" xmlns="" w="9525">
+                <a14:hiddenLine xmlns="" xmlns:a14="http://schemas.microsoft.com/office/drawing/2010/main" w="9525">
                   <a:solidFill>
                     <a:srgbClr val="000000"/>
                   </a:solidFill>
@@ -1222,7 +1256,7 @@
             </a:ln>
             <a:extLst>
               <a:ext uri="{91240B29-F687-4f45-9708-019B960494DF}">
-                <a14:hiddenLine xmlns:a14="http://schemas.microsoft.com/office/drawing/2010/main" xmlns="" w="9525">
+                <a14:hiddenLine xmlns="" xmlns:a14="http://schemas.microsoft.com/office/drawing/2010/main" w="9525">
                   <a:solidFill>
                     <a:srgbClr val="000000"/>
                   </a:solidFill>
@@ -1284,7 +1318,7 @@
             </a:ln>
             <a:extLst>
               <a:ext uri="{91240B29-F687-4f45-9708-019B960494DF}">
-                <a14:hiddenLine xmlns:a14="http://schemas.microsoft.com/office/drawing/2010/main" xmlns="" w="9525">
+                <a14:hiddenLine xmlns="" xmlns:a14="http://schemas.microsoft.com/office/drawing/2010/main" w="9525">
                   <a:solidFill>
                     <a:srgbClr val="000000"/>
                   </a:solidFill>
@@ -1374,7 +1408,7 @@
             </a:ln>
             <a:extLst>
               <a:ext uri="{91240B29-F687-4f45-9708-019B960494DF}">
-                <a14:hiddenLine xmlns:a14="http://schemas.microsoft.com/office/drawing/2010/main" xmlns="" w="9525">
+                <a14:hiddenLine xmlns="" xmlns:a14="http://schemas.microsoft.com/office/drawing/2010/main" w="9525">
                   <a:solidFill>
                     <a:srgbClr val="000000"/>
                   </a:solidFill>
@@ -1464,7 +1498,7 @@
             </a:ln>
             <a:extLst>
               <a:ext uri="{91240B29-F687-4f45-9708-019B960494DF}">
-                <a14:hiddenLine xmlns:a14="http://schemas.microsoft.com/office/drawing/2010/main" xmlns="" w="9525">
+                <a14:hiddenLine xmlns="" xmlns:a14="http://schemas.microsoft.com/office/drawing/2010/main" w="9525">
                   <a:solidFill>
                     <a:srgbClr val="000000"/>
                   </a:solidFill>
@@ -1526,7 +1560,7 @@
             </a:ln>
             <a:extLst>
               <a:ext uri="{91240B29-F687-4f45-9708-019B960494DF}">
-                <a14:hiddenLine xmlns:a14="http://schemas.microsoft.com/office/drawing/2010/main" xmlns="" w="9525">
+                <a14:hiddenLine xmlns="" xmlns:a14="http://schemas.microsoft.com/office/drawing/2010/main" w="9525">
                   <a:solidFill>
                     <a:srgbClr val="000000"/>
                   </a:solidFill>
@@ -1616,7 +1650,7 @@
             </a:ln>
             <a:extLst>
               <a:ext uri="{91240B29-F687-4f45-9708-019B960494DF}">
-                <a14:hiddenLine xmlns:a14="http://schemas.microsoft.com/office/drawing/2010/main" xmlns="" w="9525">
+                <a14:hiddenLine xmlns="" xmlns:a14="http://schemas.microsoft.com/office/drawing/2010/main" w="9525">
                   <a:solidFill>
                     <a:srgbClr val="000000"/>
                   </a:solidFill>
@@ -1706,7 +1740,7 @@
             </a:ln>
             <a:extLst>
               <a:ext uri="{91240B29-F687-4f45-9708-019B960494DF}">
-                <a14:hiddenLine xmlns:a14="http://schemas.microsoft.com/office/drawing/2010/main" xmlns="" w="9525">
+                <a14:hiddenLine xmlns="" xmlns:a14="http://schemas.microsoft.com/office/drawing/2010/main" w="9525">
                   <a:solidFill>
                     <a:srgbClr val="000000"/>
                   </a:solidFill>
@@ -1762,7 +1796,7 @@
             </a:ln>
             <a:extLst>
               <a:ext uri="{91240B29-F687-4f45-9708-019B960494DF}">
-                <a14:hiddenLine xmlns:a14="http://schemas.microsoft.com/office/drawing/2010/main" xmlns="" w="9525">
+                <a14:hiddenLine xmlns="" xmlns:a14="http://schemas.microsoft.com/office/drawing/2010/main" w="9525">
                   <a:solidFill>
                     <a:srgbClr val="000000"/>
                   </a:solidFill>
@@ -1852,7 +1886,7 @@
             </a:ln>
             <a:extLst>
               <a:ext uri="{91240B29-F687-4f45-9708-019B960494DF}">
-                <a14:hiddenLine xmlns:a14="http://schemas.microsoft.com/office/drawing/2010/main" xmlns="" w="9525">
+                <a14:hiddenLine xmlns="" xmlns:a14="http://schemas.microsoft.com/office/drawing/2010/main" w="9525">
                   <a:solidFill>
                     <a:srgbClr val="000000"/>
                   </a:solidFill>
@@ -1908,7 +1942,7 @@
             </a:ln>
             <a:extLst>
               <a:ext uri="{91240B29-F687-4f45-9708-019B960494DF}">
-                <a14:hiddenLine xmlns:a14="http://schemas.microsoft.com/office/drawing/2010/main" xmlns="" w="9525">
+                <a14:hiddenLine xmlns="" xmlns:a14="http://schemas.microsoft.com/office/drawing/2010/main" w="9525">
                   <a:solidFill>
                     <a:srgbClr val="000000"/>
                   </a:solidFill>
@@ -1998,7 +2032,7 @@
             </a:ln>
             <a:extLst>
               <a:ext uri="{91240B29-F687-4f45-9708-019B960494DF}">
-                <a14:hiddenLine xmlns:a14="http://schemas.microsoft.com/office/drawing/2010/main" xmlns="" w="9525">
+                <a14:hiddenLine xmlns="" xmlns:a14="http://schemas.microsoft.com/office/drawing/2010/main" w="9525">
                   <a:solidFill>
                     <a:srgbClr val="000000"/>
                   </a:solidFill>
@@ -2066,7 +2100,7 @@
             </a:ln>
             <a:extLst>
               <a:ext uri="{91240B29-F687-4f45-9708-019B960494DF}">
-                <a14:hiddenLine xmlns:a14="http://schemas.microsoft.com/office/drawing/2010/main" xmlns="" w="9525">
+                <a14:hiddenLine xmlns="" xmlns:a14="http://schemas.microsoft.com/office/drawing/2010/main" w="9525">
                   <a:solidFill>
                     <a:srgbClr val="000000"/>
                   </a:solidFill>
@@ -2156,7 +2190,7 @@
             </a:ln>
             <a:extLst>
               <a:ext uri="{91240B29-F687-4f45-9708-019B960494DF}">
-                <a14:hiddenLine xmlns:a14="http://schemas.microsoft.com/office/drawing/2010/main" xmlns="" w="9525">
+                <a14:hiddenLine xmlns="" xmlns:a14="http://schemas.microsoft.com/office/drawing/2010/main" w="9525">
                   <a:solidFill>
                     <a:srgbClr val="000000"/>
                   </a:solidFill>
@@ -2224,7 +2258,7 @@
             </a:ln>
             <a:extLst>
               <a:ext uri="{91240B29-F687-4f45-9708-019B960494DF}">
-                <a14:hiddenLine xmlns:a14="http://schemas.microsoft.com/office/drawing/2010/main" xmlns="" w="9525">
+                <a14:hiddenLine xmlns="" xmlns:a14="http://schemas.microsoft.com/office/drawing/2010/main" w="9525">
                   <a:solidFill>
                     <a:srgbClr val="000000"/>
                   </a:solidFill>
@@ -2314,7 +2348,7 @@
             </a:ln>
             <a:extLst>
               <a:ext uri="{91240B29-F687-4f45-9708-019B960494DF}">
-                <a14:hiddenLine xmlns:a14="http://schemas.microsoft.com/office/drawing/2010/main" xmlns="" w="9525">
+                <a14:hiddenLine xmlns="" xmlns:a14="http://schemas.microsoft.com/office/drawing/2010/main" w="9525">
                   <a:solidFill>
                     <a:srgbClr val="000000"/>
                   </a:solidFill>
@@ -2348,7 +2382,7 @@
             </a:ln>
             <a:extLst>
               <a:ext uri="{91240B29-F687-4f45-9708-019B960494DF}">
-                <a14:hiddenLine xmlns:a14="http://schemas.microsoft.com/office/drawing/2010/main" xmlns="" w="9525">
+                <a14:hiddenLine xmlns="" xmlns:a14="http://schemas.microsoft.com/office/drawing/2010/main" w="9525">
                   <a:solidFill>
                     <a:srgbClr val="000000"/>
                   </a:solidFill>
@@ -2438,7 +2472,7 @@
             </a:ln>
             <a:extLst>
               <a:ext uri="{91240B29-F687-4f45-9708-019B960494DF}">
-                <a14:hiddenLine xmlns:a14="http://schemas.microsoft.com/office/drawing/2010/main" xmlns="" w="9525">
+                <a14:hiddenLine xmlns="" xmlns:a14="http://schemas.microsoft.com/office/drawing/2010/main" w="9525">
                   <a:solidFill>
                     <a:srgbClr val="000000"/>
                   </a:solidFill>
@@ -2500,7 +2534,7 @@
             </a:ln>
             <a:extLst>
               <a:ext uri="{91240B29-F687-4f45-9708-019B960494DF}">
-                <a14:hiddenLine xmlns:a14="http://schemas.microsoft.com/office/drawing/2010/main" xmlns="" w="9525">
+                <a14:hiddenLine xmlns="" xmlns:a14="http://schemas.microsoft.com/office/drawing/2010/main" w="9525">
                   <a:solidFill>
                     <a:srgbClr val="000000"/>
                   </a:solidFill>
@@ -2562,7 +2596,7 @@
             </a:ln>
             <a:extLst>
               <a:ext uri="{91240B29-F687-4f45-9708-019B960494DF}">
-                <a14:hiddenLine xmlns:a14="http://schemas.microsoft.com/office/drawing/2010/main" xmlns="" w="9525">
+                <a14:hiddenLine xmlns="" xmlns:a14="http://schemas.microsoft.com/office/drawing/2010/main" w="9525">
                   <a:solidFill>
                     <a:srgbClr val="000000"/>
                   </a:solidFill>
@@ -2652,7 +2686,7 @@
             </a:ln>
             <a:extLst>
               <a:ext uri="{91240B29-F687-4f45-9708-019B960494DF}">
-                <a14:hiddenLine xmlns:a14="http://schemas.microsoft.com/office/drawing/2010/main" xmlns="" w="9525">
+                <a14:hiddenLine xmlns="" xmlns:a14="http://schemas.microsoft.com/office/drawing/2010/main" w="9525">
                   <a:solidFill>
                     <a:srgbClr val="000000"/>
                   </a:solidFill>
@@ -2720,7 +2754,7 @@
             </a:ln>
             <a:extLst>
               <a:ext uri="{91240B29-F687-4f45-9708-019B960494DF}">
-                <a14:hiddenLine xmlns:a14="http://schemas.microsoft.com/office/drawing/2010/main" xmlns="" w="9525">
+                <a14:hiddenLine xmlns="" xmlns:a14="http://schemas.microsoft.com/office/drawing/2010/main" w="9525">
                   <a:solidFill>
                     <a:srgbClr val="000000"/>
                   </a:solidFill>
@@ -2782,7 +2816,7 @@
             </a:ln>
             <a:extLst>
               <a:ext uri="{91240B29-F687-4f45-9708-019B960494DF}">
-                <a14:hiddenLine xmlns:a14="http://schemas.microsoft.com/office/drawing/2010/main" xmlns="" w="9525">
+                <a14:hiddenLine xmlns="" xmlns:a14="http://schemas.microsoft.com/office/drawing/2010/main" w="9525">
                   <a:solidFill>
                     <a:srgbClr val="000000"/>
                   </a:solidFill>
@@ -2872,7 +2906,7 @@
             </a:ln>
             <a:extLst>
               <a:ext uri="{91240B29-F687-4f45-9708-019B960494DF}">
-                <a14:hiddenLine xmlns:a14="http://schemas.microsoft.com/office/drawing/2010/main" xmlns="" w="9525">
+                <a14:hiddenLine xmlns="" xmlns:a14="http://schemas.microsoft.com/office/drawing/2010/main" w="9525">
                   <a:solidFill>
                     <a:srgbClr val="000000"/>
                   </a:solidFill>
@@ -2934,7 +2968,7 @@
             </a:ln>
             <a:extLst>
               <a:ext uri="{91240B29-F687-4f45-9708-019B960494DF}">
-                <a14:hiddenLine xmlns:a14="http://schemas.microsoft.com/office/drawing/2010/main" xmlns="" w="9525">
+                <a14:hiddenLine xmlns="" xmlns:a14="http://schemas.microsoft.com/office/drawing/2010/main" w="9525">
                   <a:solidFill>
                     <a:srgbClr val="000000"/>
                   </a:solidFill>
@@ -3024,7 +3058,7 @@
             </a:ln>
             <a:extLst>
               <a:ext uri="{91240B29-F687-4f45-9708-019B960494DF}">
-                <a14:hiddenLine xmlns:a14="http://schemas.microsoft.com/office/drawing/2010/main" xmlns="" w="9525">
+                <a14:hiddenLine xmlns="" xmlns:a14="http://schemas.microsoft.com/office/drawing/2010/main" w="9525">
                   <a:solidFill>
                     <a:srgbClr val="000000"/>
                   </a:solidFill>
@@ -3086,7 +3120,7 @@
             </a:ln>
             <a:extLst>
               <a:ext uri="{91240B29-F687-4f45-9708-019B960494DF}">
-                <a14:hiddenLine xmlns:a14="http://schemas.microsoft.com/office/drawing/2010/main" xmlns="" w="9525">
+                <a14:hiddenLine xmlns="" xmlns:a14="http://schemas.microsoft.com/office/drawing/2010/main" w="9525">
                   <a:solidFill>
                     <a:srgbClr val="000000"/>
                   </a:solidFill>
@@ -3176,7 +3210,7 @@
             </a:ln>
             <a:extLst>
               <a:ext uri="{91240B29-F687-4f45-9708-019B960494DF}">
-                <a14:hiddenLine xmlns:a14="http://schemas.microsoft.com/office/drawing/2010/main" xmlns="" w="9525">
+                <a14:hiddenLine xmlns="" xmlns:a14="http://schemas.microsoft.com/office/drawing/2010/main" w="9525">
                   <a:solidFill>
                     <a:srgbClr val="000000"/>
                   </a:solidFill>
@@ -3210,7 +3244,7 @@
             </a:ln>
             <a:extLst>
               <a:ext uri="{91240B29-F687-4f45-9708-019B960494DF}">
-                <a14:hiddenLine xmlns:a14="http://schemas.microsoft.com/office/drawing/2010/main" xmlns="" w="9525">
+                <a14:hiddenLine xmlns="" xmlns:a14="http://schemas.microsoft.com/office/drawing/2010/main" w="9525">
                   <a:solidFill>
                     <a:srgbClr val="000000"/>
                   </a:solidFill>
@@ -3275,7 +3309,7 @@
             </a:ln>
             <a:extLst>
               <a:ext uri="{91240B29-F687-4f45-9708-019B960494DF}">
-                <a14:hiddenLine xmlns:a14="http://schemas.microsoft.com/office/drawing/2010/main" xmlns="" w="9525">
+                <a14:hiddenLine xmlns="" xmlns:a14="http://schemas.microsoft.com/office/drawing/2010/main" w="9525">
                   <a:solidFill>
                     <a:srgbClr val="000000"/>
                   </a:solidFill>
@@ -3365,7 +3399,7 @@
             </a:ln>
             <a:extLst>
               <a:ext uri="{91240B29-F687-4f45-9708-019B960494DF}">
-                <a14:hiddenLine xmlns:a14="http://schemas.microsoft.com/office/drawing/2010/main" xmlns="" w="9525">
+                <a14:hiddenLine xmlns="" xmlns:a14="http://schemas.microsoft.com/office/drawing/2010/main" w="9525">
                   <a:solidFill>
                     <a:srgbClr val="000000"/>
                   </a:solidFill>
@@ -3427,7 +3461,7 @@
             </a:ln>
             <a:extLst>
               <a:ext uri="{91240B29-F687-4f45-9708-019B960494DF}">
-                <a14:hiddenLine xmlns:a14="http://schemas.microsoft.com/office/drawing/2010/main" xmlns="" w="9525">
+                <a14:hiddenLine xmlns="" xmlns:a14="http://schemas.microsoft.com/office/drawing/2010/main" w="9525">
                   <a:solidFill>
                     <a:srgbClr val="000000"/>
                   </a:solidFill>
@@ -3517,7 +3551,7 @@
             </a:ln>
             <a:extLst>
               <a:ext uri="{91240B29-F687-4f45-9708-019B960494DF}">
-                <a14:hiddenLine xmlns:a14="http://schemas.microsoft.com/office/drawing/2010/main" xmlns="" w="9525">
+                <a14:hiddenLine xmlns="" xmlns:a14="http://schemas.microsoft.com/office/drawing/2010/main" w="9525">
                   <a:solidFill>
                     <a:srgbClr val="000000"/>
                   </a:solidFill>
@@ -3607,7 +3641,7 @@
             </a:ln>
             <a:extLst>
               <a:ext uri="{91240B29-F687-4f45-9708-019B960494DF}">
-                <a14:hiddenLine xmlns:a14="http://schemas.microsoft.com/office/drawing/2010/main" xmlns="" w="9525">
+                <a14:hiddenLine xmlns="" xmlns:a14="http://schemas.microsoft.com/office/drawing/2010/main" w="9525">
                   <a:solidFill>
                     <a:srgbClr val="000000"/>
                   </a:solidFill>
@@ -3672,7 +3706,7 @@
             </a:ln>
             <a:extLst>
               <a:ext uri="{91240B29-F687-4f45-9708-019B960494DF}">
-                <a14:hiddenLine xmlns:a14="http://schemas.microsoft.com/office/drawing/2010/main" xmlns="" w="9525">
+                <a14:hiddenLine xmlns="" xmlns:a14="http://schemas.microsoft.com/office/drawing/2010/main" w="9525">
                   <a:solidFill>
                     <a:srgbClr val="000000"/>
                   </a:solidFill>
@@ -3734,7 +3768,7 @@
             </a:ln>
             <a:extLst>
               <a:ext uri="{91240B29-F687-4f45-9708-019B960494DF}">
-                <a14:hiddenLine xmlns:a14="http://schemas.microsoft.com/office/drawing/2010/main" xmlns="" w="9525">
+                <a14:hiddenLine xmlns="" xmlns:a14="http://schemas.microsoft.com/office/drawing/2010/main" w="9525">
                   <a:solidFill>
                     <a:srgbClr val="000000"/>
                   </a:solidFill>
@@ -3824,7 +3858,7 @@
             </a:ln>
             <a:extLst>
               <a:ext uri="{91240B29-F687-4f45-9708-019B960494DF}">
-                <a14:hiddenLine xmlns:a14="http://schemas.microsoft.com/office/drawing/2010/main" xmlns="" w="9525">
+                <a14:hiddenLine xmlns="" xmlns:a14="http://schemas.microsoft.com/office/drawing/2010/main" w="9525">
                   <a:solidFill>
                     <a:srgbClr val="000000"/>
                   </a:solidFill>
@@ -3914,7 +3948,7 @@
             </a:ln>
             <a:extLst>
               <a:ext uri="{91240B29-F687-4f45-9708-019B960494DF}">
-                <a14:hiddenLine xmlns:a14="http://schemas.microsoft.com/office/drawing/2010/main" xmlns="" w="9525">
+                <a14:hiddenLine xmlns="" xmlns:a14="http://schemas.microsoft.com/office/drawing/2010/main" w="9525">
                   <a:solidFill>
                     <a:srgbClr val="000000"/>
                   </a:solidFill>
@@ -3976,7 +4010,7 @@
             </a:ln>
             <a:extLst>
               <a:ext uri="{91240B29-F687-4f45-9708-019B960494DF}">
-                <a14:hiddenLine xmlns:a14="http://schemas.microsoft.com/office/drawing/2010/main" xmlns="" w="9525">
+                <a14:hiddenLine xmlns="" xmlns:a14="http://schemas.microsoft.com/office/drawing/2010/main" w="9525">
                   <a:solidFill>
                     <a:srgbClr val="000000"/>
                   </a:solidFill>
@@ -4096,7 +4130,7 @@
             </a:ln>
             <a:extLst>
               <a:ext uri="{91240B29-F687-4f45-9708-019B960494DF}">
-                <a14:hiddenLine xmlns:a14="http://schemas.microsoft.com/office/drawing/2010/main" xmlns="" w="9525">
+                <a14:hiddenLine xmlns="" xmlns:a14="http://schemas.microsoft.com/office/drawing/2010/main" w="9525">
                   <a:solidFill>
                     <a:srgbClr val="000000"/>
                   </a:solidFill>
@@ -4164,7 +4198,7 @@
             </a:ln>
             <a:extLst>
               <a:ext uri="{91240B29-F687-4f45-9708-019B960494DF}">
-                <a14:hiddenLine xmlns:a14="http://schemas.microsoft.com/office/drawing/2010/main" xmlns="" w="9525">
+                <a14:hiddenLine xmlns="" xmlns:a14="http://schemas.microsoft.com/office/drawing/2010/main" w="9525">
                   <a:solidFill>
                     <a:srgbClr val="000000"/>
                   </a:solidFill>
@@ -4254,7 +4288,7 @@
             </a:ln>
             <a:extLst>
               <a:ext uri="{91240B29-F687-4f45-9708-019B960494DF}">
-                <a14:hiddenLine xmlns:a14="http://schemas.microsoft.com/office/drawing/2010/main" xmlns="" w="9525">
+                <a14:hiddenLine xmlns="" xmlns:a14="http://schemas.microsoft.com/office/drawing/2010/main" w="9525">
                   <a:solidFill>
                     <a:srgbClr val="000000"/>
                   </a:solidFill>
@@ -4394,7 +4428,7 @@
           <a:p>
             <a:fld id="{14F649F6-9FB6-425C-8F3D-D0EC7A699ECB}" type="datetimeFigureOut">
               <a:rPr lang="en-US" smtClean="0"/>
-              <a:t>11/21/2023</a:t>
+              <a:t>11/29/2023</a:t>
             </a:fld>
             <a:endParaRPr lang="en-US"/>
           </a:p>
@@ -4661,7 +4695,7 @@
           <a:p>
             <a:fld id="{14F649F6-9FB6-425C-8F3D-D0EC7A699ECB}" type="datetimeFigureOut">
               <a:rPr lang="en-US" smtClean="0"/>
-              <a:t>11/21/2023</a:t>
+              <a:t>11/29/2023</a:t>
             </a:fld>
             <a:endParaRPr lang="en-US"/>
           </a:p>
@@ -4857,7 +4891,7 @@
           <a:p>
             <a:fld id="{14F649F6-9FB6-425C-8F3D-D0EC7A699ECB}" type="datetimeFigureOut">
               <a:rPr lang="en-US" smtClean="0"/>
-              <a:t>11/21/2023</a:t>
+              <a:t>11/29/2023</a:t>
             </a:fld>
             <a:endParaRPr lang="en-US"/>
           </a:p>
@@ -5120,7 +5154,7 @@
           <a:p>
             <a:fld id="{14F649F6-9FB6-425C-8F3D-D0EC7A699ECB}" type="datetimeFigureOut">
               <a:rPr lang="en-US" smtClean="0"/>
-              <a:t>11/21/2023</a:t>
+              <a:t>11/29/2023</a:t>
             </a:fld>
             <a:endParaRPr lang="en-US"/>
           </a:p>
@@ -5554,7 +5588,7 @@
           <a:p>
             <a:fld id="{14F649F6-9FB6-425C-8F3D-D0EC7A699ECB}" type="datetimeFigureOut">
               <a:rPr lang="en-US" smtClean="0"/>
-              <a:t>11/21/2023</a:t>
+              <a:t>11/29/2023</a:t>
             </a:fld>
             <a:endParaRPr lang="en-US"/>
           </a:p>
@@ -6100,7 +6134,7 @@
           <a:p>
             <a:fld id="{14F649F6-9FB6-425C-8F3D-D0EC7A699ECB}" type="datetimeFigureOut">
               <a:rPr lang="en-US" smtClean="0"/>
-              <a:t>11/21/2023</a:t>
+              <a:t>11/29/2023</a:t>
             </a:fld>
             <a:endParaRPr lang="en-US"/>
           </a:p>
@@ -6820,7 +6854,7 @@
           <a:p>
             <a:fld id="{14F649F6-9FB6-425C-8F3D-D0EC7A699ECB}" type="datetimeFigureOut">
               <a:rPr lang="en-US" smtClean="0"/>
-              <a:t>11/21/2023</a:t>
+              <a:t>11/29/2023</a:t>
             </a:fld>
             <a:endParaRPr lang="en-US"/>
           </a:p>
@@ -6990,7 +7024,7 @@
           <a:p>
             <a:fld id="{14F649F6-9FB6-425C-8F3D-D0EC7A699ECB}" type="datetimeFigureOut">
               <a:rPr lang="en-US" smtClean="0"/>
-              <a:t>11/21/2023</a:t>
+              <a:t>11/29/2023</a:t>
             </a:fld>
             <a:endParaRPr lang="en-US"/>
           </a:p>
@@ -7170,7 +7204,7 @@
           <a:p>
             <a:fld id="{14F649F6-9FB6-425C-8F3D-D0EC7A699ECB}" type="datetimeFigureOut">
               <a:rPr lang="en-US" smtClean="0"/>
-              <a:t>11/21/2023</a:t>
+              <a:t>11/29/2023</a:t>
             </a:fld>
             <a:endParaRPr lang="en-US"/>
           </a:p>
@@ -7340,7 +7374,7 @@
           <a:p>
             <a:fld id="{14F649F6-9FB6-425C-8F3D-D0EC7A699ECB}" type="datetimeFigureOut">
               <a:rPr lang="en-US" smtClean="0"/>
-              <a:t>11/21/2023</a:t>
+              <a:t>11/29/2023</a:t>
             </a:fld>
             <a:endParaRPr lang="en-US"/>
           </a:p>
@@ -7590,7 +7624,7 @@
           <a:p>
             <a:fld id="{14F649F6-9FB6-425C-8F3D-D0EC7A699ECB}" type="datetimeFigureOut">
               <a:rPr lang="en-US" smtClean="0"/>
-              <a:t>11/21/2023</a:t>
+              <a:t>11/29/2023</a:t>
             </a:fld>
             <a:endParaRPr lang="en-US"/>
           </a:p>
@@ -7822,7 +7856,7 @@
           <a:p>
             <a:fld id="{14F649F6-9FB6-425C-8F3D-D0EC7A699ECB}" type="datetimeFigureOut">
               <a:rPr lang="en-US" smtClean="0"/>
-              <a:t>11/21/2023</a:t>
+              <a:t>11/29/2023</a:t>
             </a:fld>
             <a:endParaRPr lang="en-US"/>
           </a:p>
@@ -8203,7 +8237,7 @@
           <a:p>
             <a:fld id="{14F649F6-9FB6-425C-8F3D-D0EC7A699ECB}" type="datetimeFigureOut">
               <a:rPr lang="en-US" smtClean="0"/>
-              <a:t>11/21/2023</a:t>
+              <a:t>11/29/2023</a:t>
             </a:fld>
             <a:endParaRPr lang="en-US"/>
           </a:p>
@@ -8321,7 +8355,7 @@
           <a:p>
             <a:fld id="{14F649F6-9FB6-425C-8F3D-D0EC7A699ECB}" type="datetimeFigureOut">
               <a:rPr lang="en-US" smtClean="0"/>
-              <a:t>11/21/2023</a:t>
+              <a:t>11/29/2023</a:t>
             </a:fld>
             <a:endParaRPr lang="en-US"/>
           </a:p>
@@ -8416,7 +8450,7 @@
           <a:p>
             <a:fld id="{14F649F6-9FB6-425C-8F3D-D0EC7A699ECB}" type="datetimeFigureOut">
               <a:rPr lang="en-US" smtClean="0"/>
-              <a:t>11/21/2023</a:t>
+              <a:t>11/29/2023</a:t>
             </a:fld>
             <a:endParaRPr lang="en-US"/>
           </a:p>
@@ -8665,7 +8699,7 @@
           <a:p>
             <a:fld id="{14F649F6-9FB6-425C-8F3D-D0EC7A699ECB}" type="datetimeFigureOut">
               <a:rPr lang="en-US" smtClean="0"/>
-              <a:t>11/21/2023</a:t>
+              <a:t>11/29/2023</a:t>
             </a:fld>
             <a:endParaRPr lang="en-US"/>
           </a:p>
@@ -8945,7 +8979,7 @@
           <a:p>
             <a:fld id="{14F649F6-9FB6-425C-8F3D-D0EC7A699ECB}" type="datetimeFigureOut">
               <a:rPr lang="en-US" smtClean="0"/>
-              <a:t>11/21/2023</a:t>
+              <a:t>11/29/2023</a:t>
             </a:fld>
             <a:endParaRPr lang="en-US"/>
           </a:p>
@@ -9068,7 +9102,7 @@
           <a:noFill/>
           <a:extLst>
             <a:ext uri="{909E8E84-426E-40dd-AFC4-6F175D3DCCD1}">
-              <a14:hiddenFill xmlns:a14="http://schemas.microsoft.com/office/drawing/2010/main" xmlns="">
+              <a14:hiddenFill xmlns="" xmlns:a14="http://schemas.microsoft.com/office/drawing/2010/main">
                 <a:solidFill>
                   <a:srgbClr val="FFFFFF"/>
                 </a:solidFill>
@@ -9142,7 +9176,7 @@
               </a:ln>
               <a:extLst>
                 <a:ext uri="{91240B29-F687-4f45-9708-019B960494DF}">
-                  <a14:hiddenLine xmlns:a14="http://schemas.microsoft.com/office/drawing/2010/main" xmlns="" w="9525">
+                  <a14:hiddenLine xmlns="" xmlns:a14="http://schemas.microsoft.com/office/drawing/2010/main" w="9525">
                     <a:solidFill>
                       <a:srgbClr val="000000"/>
                     </a:solidFill>
@@ -9232,7 +9266,7 @@
               </a:ln>
               <a:extLst>
                 <a:ext uri="{91240B29-F687-4f45-9708-019B960494DF}">
-                  <a14:hiddenLine xmlns:a14="http://schemas.microsoft.com/office/drawing/2010/main" xmlns="" w="9525">
+                  <a14:hiddenLine xmlns="" xmlns:a14="http://schemas.microsoft.com/office/drawing/2010/main" w="9525">
                     <a:solidFill>
                       <a:srgbClr val="000000"/>
                     </a:solidFill>
@@ -9322,7 +9356,7 @@
               </a:ln>
               <a:extLst>
                 <a:ext uri="{91240B29-F687-4f45-9708-019B960494DF}">
-                  <a14:hiddenLine xmlns:a14="http://schemas.microsoft.com/office/drawing/2010/main" xmlns="" w="9525">
+                  <a14:hiddenLine xmlns="" xmlns:a14="http://schemas.microsoft.com/office/drawing/2010/main" w="9525">
                     <a:solidFill>
                       <a:srgbClr val="000000"/>
                     </a:solidFill>
@@ -9384,7 +9418,7 @@
               </a:ln>
               <a:extLst>
                 <a:ext uri="{91240B29-F687-4f45-9708-019B960494DF}">
-                  <a14:hiddenLine xmlns:a14="http://schemas.microsoft.com/office/drawing/2010/main" xmlns="" w="9525">
+                  <a14:hiddenLine xmlns="" xmlns:a14="http://schemas.microsoft.com/office/drawing/2010/main" w="9525">
                     <a:solidFill>
                       <a:srgbClr val="000000"/>
                     </a:solidFill>
@@ -9474,7 +9508,7 @@
               </a:ln>
               <a:extLst>
                 <a:ext uri="{91240B29-F687-4f45-9708-019B960494DF}">
-                  <a14:hiddenLine xmlns:a14="http://schemas.microsoft.com/office/drawing/2010/main" xmlns="" w="9525">
+                  <a14:hiddenLine xmlns="" xmlns:a14="http://schemas.microsoft.com/office/drawing/2010/main" w="9525">
                     <a:solidFill>
                       <a:srgbClr val="000000"/>
                     </a:solidFill>
@@ -9536,7 +9570,7 @@
               </a:ln>
               <a:extLst>
                 <a:ext uri="{91240B29-F687-4f45-9708-019B960494DF}">
-                  <a14:hiddenLine xmlns:a14="http://schemas.microsoft.com/office/drawing/2010/main" xmlns="" w="9525">
+                  <a14:hiddenLine xmlns="" xmlns:a14="http://schemas.microsoft.com/office/drawing/2010/main" w="9525">
                     <a:solidFill>
                       <a:srgbClr val="000000"/>
                     </a:solidFill>
@@ -9598,7 +9632,7 @@
               </a:ln>
               <a:extLst>
                 <a:ext uri="{91240B29-F687-4f45-9708-019B960494DF}">
-                  <a14:hiddenLine xmlns:a14="http://schemas.microsoft.com/office/drawing/2010/main" xmlns="" w="9525">
+                  <a14:hiddenLine xmlns="" xmlns:a14="http://schemas.microsoft.com/office/drawing/2010/main" w="9525">
                     <a:solidFill>
                       <a:srgbClr val="000000"/>
                     </a:solidFill>
@@ -9688,7 +9722,7 @@
               </a:ln>
               <a:extLst>
                 <a:ext uri="{91240B29-F687-4f45-9708-019B960494DF}">
-                  <a14:hiddenLine xmlns:a14="http://schemas.microsoft.com/office/drawing/2010/main" xmlns="" w="9525">
+                  <a14:hiddenLine xmlns="" xmlns:a14="http://schemas.microsoft.com/office/drawing/2010/main" w="9525">
                     <a:solidFill>
                       <a:srgbClr val="000000"/>
                     </a:solidFill>
@@ -9778,7 +9812,7 @@
               </a:ln>
               <a:extLst>
                 <a:ext uri="{91240B29-F687-4f45-9708-019B960494DF}">
-                  <a14:hiddenLine xmlns:a14="http://schemas.microsoft.com/office/drawing/2010/main" xmlns="" w="9525">
+                  <a14:hiddenLine xmlns="" xmlns:a14="http://schemas.microsoft.com/office/drawing/2010/main" w="9525">
                     <a:solidFill>
                       <a:srgbClr val="000000"/>
                     </a:solidFill>
@@ -9840,7 +9874,7 @@
               </a:ln>
               <a:extLst>
                 <a:ext uri="{91240B29-F687-4f45-9708-019B960494DF}">
-                  <a14:hiddenLine xmlns:a14="http://schemas.microsoft.com/office/drawing/2010/main" xmlns="" w="9525">
+                  <a14:hiddenLine xmlns="" xmlns:a14="http://schemas.microsoft.com/office/drawing/2010/main" w="9525">
                     <a:solidFill>
                       <a:srgbClr val="000000"/>
                     </a:solidFill>
@@ -9950,7 +9984,7 @@
               </a:ln>
               <a:extLst>
                 <a:ext uri="{91240B29-F687-4f45-9708-019B960494DF}">
-                  <a14:hiddenLine xmlns:a14="http://schemas.microsoft.com/office/drawing/2010/main" xmlns="" w="9525">
+                  <a14:hiddenLine xmlns="" xmlns:a14="http://schemas.microsoft.com/office/drawing/2010/main" w="9525">
                     <a:solidFill>
                       <a:srgbClr val="000000"/>
                     </a:solidFill>
@@ -10034,7 +10068,7 @@
               </a:ln>
               <a:extLst>
                 <a:ext uri="{91240B29-F687-4f45-9708-019B960494DF}">
-                  <a14:hiddenLine xmlns:a14="http://schemas.microsoft.com/office/drawing/2010/main" xmlns="" w="9525">
+                  <a14:hiddenLine xmlns="" xmlns:a14="http://schemas.microsoft.com/office/drawing/2010/main" w="9525">
                     <a:solidFill>
                       <a:srgbClr val="000000"/>
                     </a:solidFill>
@@ -10096,7 +10130,7 @@
               </a:ln>
               <a:extLst>
                 <a:ext uri="{91240B29-F687-4f45-9708-019B960494DF}">
-                  <a14:hiddenLine xmlns:a14="http://schemas.microsoft.com/office/drawing/2010/main" xmlns="" w="9525">
+                  <a14:hiddenLine xmlns="" xmlns:a14="http://schemas.microsoft.com/office/drawing/2010/main" w="9525">
                     <a:solidFill>
                       <a:srgbClr val="000000"/>
                     </a:solidFill>
@@ -10158,7 +10192,7 @@
               </a:ln>
               <a:extLst>
                 <a:ext uri="{91240B29-F687-4f45-9708-019B960494DF}">
-                  <a14:hiddenLine xmlns:a14="http://schemas.microsoft.com/office/drawing/2010/main" xmlns="" w="9525">
+                  <a14:hiddenLine xmlns="" xmlns:a14="http://schemas.microsoft.com/office/drawing/2010/main" w="9525">
                     <a:solidFill>
                       <a:srgbClr val="000000"/>
                     </a:solidFill>
@@ -10248,7 +10282,7 @@
               </a:ln>
               <a:extLst>
                 <a:ext uri="{91240B29-F687-4f45-9708-019B960494DF}">
-                  <a14:hiddenLine xmlns:a14="http://schemas.microsoft.com/office/drawing/2010/main" xmlns="" w="9525">
+                  <a14:hiddenLine xmlns="" xmlns:a14="http://schemas.microsoft.com/office/drawing/2010/main" w="9525">
                     <a:solidFill>
                       <a:srgbClr val="000000"/>
                     </a:solidFill>
@@ -10282,7 +10316,7 @@
               </a:ln>
               <a:extLst>
                 <a:ext uri="{91240B29-F687-4f45-9708-019B960494DF}">
-                  <a14:hiddenLine xmlns:a14="http://schemas.microsoft.com/office/drawing/2010/main" xmlns="" w="9525">
+                  <a14:hiddenLine xmlns="" xmlns:a14="http://schemas.microsoft.com/office/drawing/2010/main" w="9525">
                     <a:solidFill>
                       <a:srgbClr val="000000"/>
                     </a:solidFill>
@@ -10347,7 +10381,7 @@
               </a:ln>
               <a:extLst>
                 <a:ext uri="{91240B29-F687-4f45-9708-019B960494DF}">
-                  <a14:hiddenLine xmlns:a14="http://schemas.microsoft.com/office/drawing/2010/main" xmlns="" w="9525">
+                  <a14:hiddenLine xmlns="" xmlns:a14="http://schemas.microsoft.com/office/drawing/2010/main" w="9525">
                     <a:solidFill>
                       <a:srgbClr val="000000"/>
                     </a:solidFill>
@@ -10437,7 +10471,7 @@
               </a:ln>
               <a:extLst>
                 <a:ext uri="{91240B29-F687-4f45-9708-019B960494DF}">
-                  <a14:hiddenLine xmlns:a14="http://schemas.microsoft.com/office/drawing/2010/main" xmlns="" w="9525">
+                  <a14:hiddenLine xmlns="" xmlns:a14="http://schemas.microsoft.com/office/drawing/2010/main" w="9525">
                     <a:solidFill>
                       <a:srgbClr val="000000"/>
                     </a:solidFill>
@@ -10499,7 +10533,7 @@
               </a:ln>
               <a:extLst>
                 <a:ext uri="{91240B29-F687-4f45-9708-019B960494DF}">
-                  <a14:hiddenLine xmlns:a14="http://schemas.microsoft.com/office/drawing/2010/main" xmlns="" w="9525">
+                  <a14:hiddenLine xmlns="" xmlns:a14="http://schemas.microsoft.com/office/drawing/2010/main" w="9525">
                     <a:solidFill>
                       <a:srgbClr val="000000"/>
                     </a:solidFill>
@@ -10589,7 +10623,7 @@
               </a:ln>
               <a:extLst>
                 <a:ext uri="{91240B29-F687-4f45-9708-019B960494DF}">
-                  <a14:hiddenLine xmlns:a14="http://schemas.microsoft.com/office/drawing/2010/main" xmlns="" w="9525">
+                  <a14:hiddenLine xmlns="" xmlns:a14="http://schemas.microsoft.com/office/drawing/2010/main" w="9525">
                     <a:solidFill>
                       <a:srgbClr val="000000"/>
                     </a:solidFill>
@@ -10654,7 +10688,7 @@
               </a:ln>
               <a:extLst>
                 <a:ext uri="{91240B29-F687-4f45-9708-019B960494DF}">
-                  <a14:hiddenLine xmlns:a14="http://schemas.microsoft.com/office/drawing/2010/main" xmlns="" w="9525">
+                  <a14:hiddenLine xmlns="" xmlns:a14="http://schemas.microsoft.com/office/drawing/2010/main" w="9525">
                     <a:solidFill>
                       <a:srgbClr val="000000"/>
                     </a:solidFill>
@@ -10716,7 +10750,7 @@
               </a:ln>
               <a:extLst>
                 <a:ext uri="{91240B29-F687-4f45-9708-019B960494DF}">
-                  <a14:hiddenLine xmlns:a14="http://schemas.microsoft.com/office/drawing/2010/main" xmlns="" w="9525">
+                  <a14:hiddenLine xmlns="" xmlns:a14="http://schemas.microsoft.com/office/drawing/2010/main" w="9525">
                     <a:solidFill>
                       <a:srgbClr val="000000"/>
                     </a:solidFill>
@@ -10806,7 +10840,7 @@
               </a:ln>
               <a:extLst>
                 <a:ext uri="{91240B29-F687-4f45-9708-019B960494DF}">
-                  <a14:hiddenLine xmlns:a14="http://schemas.microsoft.com/office/drawing/2010/main" xmlns="" w="9525">
+                  <a14:hiddenLine xmlns="" xmlns:a14="http://schemas.microsoft.com/office/drawing/2010/main" w="9525">
                     <a:solidFill>
                       <a:srgbClr val="000000"/>
                     </a:solidFill>
@@ -10896,7 +10930,7 @@
               </a:ln>
               <a:extLst>
                 <a:ext uri="{91240B29-F687-4f45-9708-019B960494DF}">
-                  <a14:hiddenLine xmlns:a14="http://schemas.microsoft.com/office/drawing/2010/main" xmlns="" w="9525">
+                  <a14:hiddenLine xmlns="" xmlns:a14="http://schemas.microsoft.com/office/drawing/2010/main" w="9525">
                     <a:solidFill>
                       <a:srgbClr val="000000"/>
                     </a:solidFill>
@@ -10961,7 +10995,7 @@
               </a:ln>
               <a:extLst>
                 <a:ext uri="{91240B29-F687-4f45-9708-019B960494DF}">
-                  <a14:hiddenLine xmlns:a14="http://schemas.microsoft.com/office/drawing/2010/main" xmlns="" w="9525">
+                  <a14:hiddenLine xmlns="" xmlns:a14="http://schemas.microsoft.com/office/drawing/2010/main" w="9525">
                     <a:solidFill>
                       <a:srgbClr val="000000"/>
                     </a:solidFill>
@@ -11081,7 +11115,7 @@
               </a:ln>
               <a:extLst>
                 <a:ext uri="{91240B29-F687-4f45-9708-019B960494DF}">
-                  <a14:hiddenLine xmlns:a14="http://schemas.microsoft.com/office/drawing/2010/main" xmlns="" w="9525">
+                  <a14:hiddenLine xmlns="" xmlns:a14="http://schemas.microsoft.com/office/drawing/2010/main" w="9525">
                     <a:solidFill>
                       <a:srgbClr val="000000"/>
                     </a:solidFill>
@@ -11162,7 +11196,7 @@
               </a:ln>
               <a:extLst>
                 <a:ext uri="{91240B29-F687-4f45-9708-019B960494DF}">
-                  <a14:hiddenLine xmlns:a14="http://schemas.microsoft.com/office/drawing/2010/main" xmlns="" w="9525">
+                  <a14:hiddenLine xmlns="" xmlns:a14="http://schemas.microsoft.com/office/drawing/2010/main" w="9525">
                     <a:solidFill>
                       <a:srgbClr val="000000"/>
                     </a:solidFill>
@@ -11277,7 +11311,7 @@
               </a:ln>
               <a:extLst>
                 <a:ext uri="{91240B29-F687-4f45-9708-019B960494DF}">
-                  <a14:hiddenLine xmlns:a14="http://schemas.microsoft.com/office/drawing/2010/main" xmlns="" w="9525">
+                  <a14:hiddenLine xmlns="" xmlns:a14="http://schemas.microsoft.com/office/drawing/2010/main" w="9525">
                     <a:solidFill>
                       <a:srgbClr val="000000"/>
                     </a:solidFill>
@@ -11367,7 +11401,7 @@
               </a:ln>
               <a:extLst>
                 <a:ext uri="{91240B29-F687-4f45-9708-019B960494DF}">
-                  <a14:hiddenLine xmlns:a14="http://schemas.microsoft.com/office/drawing/2010/main" xmlns="" w="9525">
+                  <a14:hiddenLine xmlns="" xmlns:a14="http://schemas.microsoft.com/office/drawing/2010/main" w="9525">
                     <a:solidFill>
                       <a:srgbClr val="000000"/>
                     </a:solidFill>
@@ -11432,7 +11466,7 @@
               </a:ln>
               <a:extLst>
                 <a:ext uri="{91240B29-F687-4f45-9708-019B960494DF}">
-                  <a14:hiddenLine xmlns:a14="http://schemas.microsoft.com/office/drawing/2010/main" xmlns="" w="9525">
+                  <a14:hiddenLine xmlns="" xmlns:a14="http://schemas.microsoft.com/office/drawing/2010/main" w="9525">
                     <a:solidFill>
                       <a:srgbClr val="000000"/>
                     </a:solidFill>
@@ -11522,7 +11556,7 @@
               </a:ln>
               <a:extLst>
                 <a:ext uri="{91240B29-F687-4f45-9708-019B960494DF}">
-                  <a14:hiddenLine xmlns:a14="http://schemas.microsoft.com/office/drawing/2010/main" xmlns="" w="9525">
+                  <a14:hiddenLine xmlns="" xmlns:a14="http://schemas.microsoft.com/office/drawing/2010/main" w="9525">
                     <a:solidFill>
                       <a:srgbClr val="000000"/>
                     </a:solidFill>
@@ -11590,7 +11624,7 @@
               </a:ln>
               <a:extLst>
                 <a:ext uri="{91240B29-F687-4f45-9708-019B960494DF}">
-                  <a14:hiddenLine xmlns:a14="http://schemas.microsoft.com/office/drawing/2010/main" xmlns="" w="9525">
+                  <a14:hiddenLine xmlns="" xmlns:a14="http://schemas.microsoft.com/office/drawing/2010/main" w="9525">
                     <a:solidFill>
                       <a:srgbClr val="000000"/>
                     </a:solidFill>
@@ -11680,7 +11714,7 @@
               </a:ln>
               <a:extLst>
                 <a:ext uri="{91240B29-F687-4f45-9708-019B960494DF}">
-                  <a14:hiddenLine xmlns:a14="http://schemas.microsoft.com/office/drawing/2010/main" xmlns="" w="9525">
+                  <a14:hiddenLine xmlns="" xmlns:a14="http://schemas.microsoft.com/office/drawing/2010/main" w="9525">
                     <a:solidFill>
                       <a:srgbClr val="000000"/>
                     </a:solidFill>
@@ -11748,7 +11782,7 @@
               </a:ln>
               <a:extLst>
                 <a:ext uri="{91240B29-F687-4f45-9708-019B960494DF}">
-                  <a14:hiddenLine xmlns:a14="http://schemas.microsoft.com/office/drawing/2010/main" xmlns="" w="9525">
+                  <a14:hiddenLine xmlns="" xmlns:a14="http://schemas.microsoft.com/office/drawing/2010/main" w="9525">
                     <a:solidFill>
                       <a:srgbClr val="000000"/>
                     </a:solidFill>
@@ -11838,7 +11872,7 @@
               </a:ln>
               <a:extLst>
                 <a:ext uri="{91240B29-F687-4f45-9708-019B960494DF}">
-                  <a14:hiddenLine xmlns:a14="http://schemas.microsoft.com/office/drawing/2010/main" xmlns="" w="9525">
+                  <a14:hiddenLine xmlns="" xmlns:a14="http://schemas.microsoft.com/office/drawing/2010/main" w="9525">
                     <a:solidFill>
                       <a:srgbClr val="000000"/>
                     </a:solidFill>
@@ -11872,7 +11906,7 @@
               </a:ln>
               <a:extLst>
                 <a:ext uri="{91240B29-F687-4f45-9708-019B960494DF}">
-                  <a14:hiddenLine xmlns:a14="http://schemas.microsoft.com/office/drawing/2010/main" xmlns="" w="9525">
+                  <a14:hiddenLine xmlns="" xmlns:a14="http://schemas.microsoft.com/office/drawing/2010/main" w="9525">
                     <a:solidFill>
                       <a:srgbClr val="000000"/>
                     </a:solidFill>
@@ -12012,7 +12046,7 @@
           <a:p>
             <a:fld id="{14F649F6-9FB6-425C-8F3D-D0EC7A699ECB}" type="datetimeFigureOut">
               <a:rPr lang="en-US" smtClean="0"/>
-              <a:t>11/21/2023</a:t>
+              <a:t>11/29/2023</a:t>
             </a:fld>
             <a:endParaRPr lang="en-US"/>
           </a:p>
@@ -12887,13 +12921,21 @@
           <a:p>
             <a:r>
               <a:rPr lang="en-US" dirty="0"/>
-              <a:t>All of the product features must be demonstrated</a:t>
+              <a:t>All the product features must be demonstrated</a:t>
             </a:r>
           </a:p>
           <a:p>
             <a:r>
               <a:rPr lang="en-US" dirty="0"/>
-              <a:t>Demonstrate that the product passes all of the test cases</a:t>
+              <a:t>Demonstrate that the product </a:t>
+            </a:r>
+            <a:r>
+              <a:rPr lang="en-US"/>
+              <a:t>passes all </a:t>
+            </a:r>
+            <a:r>
+              <a:rPr lang="en-US" dirty="0"/>
+              <a:t>the test cases</a:t>
             </a:r>
           </a:p>
           <a:p>

--- a/WasteDrop_Presentation_Slides.pptx
+++ b/WasteDrop_Presentation_Slides.pptx
@@ -121,8 +121,8 @@
 <pc:chgInfo xmlns:a="http://schemas.openxmlformats.org/drawingml/2006/main" xmlns:r="http://schemas.openxmlformats.org/officeDocument/2006/relationships" xmlns:ac="http://schemas.microsoft.com/office/drawing/2013/main/command" xmlns:pc="http://schemas.microsoft.com/office/powerpoint/2013/main/command">
   <pc:docChgLst>
     <pc:chgData name="Edward Basulto" userId="9e917bb861332276" providerId="LiveId" clId="{7BF2F06E-DA08-43E8-9617-FF0D94D4E9AA}"/>
-    <pc:docChg chg="custSel modSld">
-      <pc:chgData name="Edward Basulto" userId="9e917bb861332276" providerId="LiveId" clId="{7BF2F06E-DA08-43E8-9617-FF0D94D4E9AA}" dt="2023-11-29T23:43:57.957" v="1" actId="33524"/>
+    <pc:docChg chg="custSel addSld delSld modSld">
+      <pc:chgData name="Edward Basulto" userId="9e917bb861332276" providerId="LiveId" clId="{7BF2F06E-DA08-43E8-9617-FF0D94D4E9AA}" dt="2023-11-30T04:27:31.597" v="23" actId="2696"/>
       <pc:docMkLst>
         <pc:docMk/>
       </pc:docMkLst>
@@ -138,6 +138,21 @@
             <pc:docMk/>
             <pc:sldMk cId="2502360678" sldId="259"/>
             <ac:spMk id="3" creationId="{6F97FF55-F254-C306-6670-AF82B4460AC1}"/>
+          </ac:spMkLst>
+        </pc:spChg>
+      </pc:sldChg>
+      <pc:sldChg chg="modSp new del mod">
+        <pc:chgData name="Edward Basulto" userId="9e917bb861332276" providerId="LiveId" clId="{7BF2F06E-DA08-43E8-9617-FF0D94D4E9AA}" dt="2023-11-30T04:27:31.597" v="23" actId="2696"/>
+        <pc:sldMkLst>
+          <pc:docMk/>
+          <pc:sldMk cId="332911782" sldId="262"/>
+        </pc:sldMkLst>
+        <pc:spChg chg="mod">
+          <ac:chgData name="Edward Basulto" userId="9e917bb861332276" providerId="LiveId" clId="{7BF2F06E-DA08-43E8-9617-FF0D94D4E9AA}" dt="2023-11-30T04:27:28.346" v="22" actId="20577"/>
+          <ac:spMkLst>
+            <pc:docMk/>
+            <pc:sldMk cId="332911782" sldId="262"/>
+            <ac:spMk id="2" creationId="{B7C4A1BE-E55B-7C78-0630-F6213839383E}"/>
           </ac:spMkLst>
         </pc:spChg>
       </pc:sldChg>
@@ -203,7 +218,7 @@
           <a:noFill/>
           <a:extLst>
             <a:ext uri="{909E8E84-426E-40dd-AFC4-6F175D3DCCD1}">
-              <a14:hiddenFill xmlns="" xmlns:a14="http://schemas.microsoft.com/office/drawing/2010/main">
+              <a14:hiddenFill xmlns:a14="http://schemas.microsoft.com/office/drawing/2010/main" xmlns="">
                 <a:solidFill>
                   <a:srgbClr val="FFFFFF"/>
                 </a:solidFill>
@@ -262,7 +277,7 @@
             </a:ln>
             <a:extLst>
               <a:ext uri="{91240B29-F687-4f45-9708-019B960494DF}">
-                <a14:hiddenLine xmlns="" xmlns:a14="http://schemas.microsoft.com/office/drawing/2010/main" w="9525">
+                <a14:hiddenLine xmlns:a14="http://schemas.microsoft.com/office/drawing/2010/main" xmlns="" w="9525">
                   <a:solidFill>
                     <a:srgbClr val="000000"/>
                   </a:solidFill>
@@ -352,7 +367,7 @@
             </a:ln>
             <a:extLst>
               <a:ext uri="{91240B29-F687-4f45-9708-019B960494DF}">
-                <a14:hiddenLine xmlns="" xmlns:a14="http://schemas.microsoft.com/office/drawing/2010/main" w="9525">
+                <a14:hiddenLine xmlns:a14="http://schemas.microsoft.com/office/drawing/2010/main" xmlns="" w="9525">
                   <a:solidFill>
                     <a:srgbClr val="000000"/>
                   </a:solidFill>
@@ -442,7 +457,7 @@
             </a:ln>
             <a:extLst>
               <a:ext uri="{91240B29-F687-4f45-9708-019B960494DF}">
-                <a14:hiddenLine xmlns="" xmlns:a14="http://schemas.microsoft.com/office/drawing/2010/main" w="9525">
+                <a14:hiddenLine xmlns:a14="http://schemas.microsoft.com/office/drawing/2010/main" xmlns="" w="9525">
                   <a:solidFill>
                     <a:srgbClr val="000000"/>
                   </a:solidFill>
@@ -476,7 +491,7 @@
             </a:ln>
             <a:extLst>
               <a:ext uri="{91240B29-F687-4f45-9708-019B960494DF}">
-                <a14:hiddenLine xmlns="" xmlns:a14="http://schemas.microsoft.com/office/drawing/2010/main" w="9525">
+                <a14:hiddenLine xmlns:a14="http://schemas.microsoft.com/office/drawing/2010/main" xmlns="" w="9525">
                   <a:solidFill>
                     <a:srgbClr val="000000"/>
                   </a:solidFill>
@@ -566,7 +581,7 @@
             </a:ln>
             <a:extLst>
               <a:ext uri="{91240B29-F687-4f45-9708-019B960494DF}">
-                <a14:hiddenLine xmlns="" xmlns:a14="http://schemas.microsoft.com/office/drawing/2010/main" w="9525">
+                <a14:hiddenLine xmlns:a14="http://schemas.microsoft.com/office/drawing/2010/main" xmlns="" w="9525">
                   <a:solidFill>
                     <a:srgbClr val="000000"/>
                   </a:solidFill>
@@ -628,7 +643,7 @@
             </a:ln>
             <a:extLst>
               <a:ext uri="{91240B29-F687-4f45-9708-019B960494DF}">
-                <a14:hiddenLine xmlns="" xmlns:a14="http://schemas.microsoft.com/office/drawing/2010/main" w="9525">
+                <a14:hiddenLine xmlns:a14="http://schemas.microsoft.com/office/drawing/2010/main" xmlns="" w="9525">
                   <a:solidFill>
                     <a:srgbClr val="000000"/>
                   </a:solidFill>
@@ -690,7 +705,7 @@
             </a:ln>
             <a:extLst>
               <a:ext uri="{91240B29-F687-4f45-9708-019B960494DF}">
-                <a14:hiddenLine xmlns="" xmlns:a14="http://schemas.microsoft.com/office/drawing/2010/main" w="9525">
+                <a14:hiddenLine xmlns:a14="http://schemas.microsoft.com/office/drawing/2010/main" xmlns="" w="9525">
                   <a:solidFill>
                     <a:srgbClr val="000000"/>
                   </a:solidFill>
@@ -780,7 +795,7 @@
             </a:ln>
             <a:extLst>
               <a:ext uri="{91240B29-F687-4f45-9708-019B960494DF}">
-                <a14:hiddenLine xmlns="" xmlns:a14="http://schemas.microsoft.com/office/drawing/2010/main" w="9525">
+                <a14:hiddenLine xmlns:a14="http://schemas.microsoft.com/office/drawing/2010/main" xmlns="" w="9525">
                   <a:solidFill>
                     <a:srgbClr val="000000"/>
                   </a:solidFill>
@@ -842,7 +857,7 @@
             </a:ln>
             <a:extLst>
               <a:ext uri="{91240B29-F687-4f45-9708-019B960494DF}">
-                <a14:hiddenLine xmlns="" xmlns:a14="http://schemas.microsoft.com/office/drawing/2010/main" w="9525">
+                <a14:hiddenLine xmlns:a14="http://schemas.microsoft.com/office/drawing/2010/main" xmlns="" w="9525">
                   <a:solidFill>
                     <a:srgbClr val="000000"/>
                   </a:solidFill>
@@ -904,7 +919,7 @@
             </a:ln>
             <a:extLst>
               <a:ext uri="{91240B29-F687-4f45-9708-019B960494DF}">
-                <a14:hiddenLine xmlns="" xmlns:a14="http://schemas.microsoft.com/office/drawing/2010/main" w="9525">
+                <a14:hiddenLine xmlns:a14="http://schemas.microsoft.com/office/drawing/2010/main" xmlns="" w="9525">
                   <a:solidFill>
                     <a:srgbClr val="000000"/>
                   </a:solidFill>
@@ -994,7 +1009,7 @@
             </a:ln>
             <a:extLst>
               <a:ext uri="{91240B29-F687-4f45-9708-019B960494DF}">
-                <a14:hiddenLine xmlns="" xmlns:a14="http://schemas.microsoft.com/office/drawing/2010/main" w="9525">
+                <a14:hiddenLine xmlns:a14="http://schemas.microsoft.com/office/drawing/2010/main" xmlns="" w="9525">
                   <a:solidFill>
                     <a:srgbClr val="000000"/>
                   </a:solidFill>
@@ -1084,7 +1099,7 @@
             </a:ln>
             <a:extLst>
               <a:ext uri="{91240B29-F687-4f45-9708-019B960494DF}">
-                <a14:hiddenLine xmlns="" xmlns:a14="http://schemas.microsoft.com/office/drawing/2010/main" w="9525">
+                <a14:hiddenLine xmlns:a14="http://schemas.microsoft.com/office/drawing/2010/main" xmlns="" w="9525">
                   <a:solidFill>
                     <a:srgbClr val="000000"/>
                   </a:solidFill>
@@ -1146,7 +1161,7 @@
             </a:ln>
             <a:extLst>
               <a:ext uri="{91240B29-F687-4f45-9708-019B960494DF}">
-                <a14:hiddenLine xmlns="" xmlns:a14="http://schemas.microsoft.com/office/drawing/2010/main" w="9525">
+                <a14:hiddenLine xmlns:a14="http://schemas.microsoft.com/office/drawing/2010/main" xmlns="" w="9525">
                   <a:solidFill>
                     <a:srgbClr val="000000"/>
                   </a:solidFill>
@@ -1256,7 +1271,7 @@
             </a:ln>
             <a:extLst>
               <a:ext uri="{91240B29-F687-4f45-9708-019B960494DF}">
-                <a14:hiddenLine xmlns="" xmlns:a14="http://schemas.microsoft.com/office/drawing/2010/main" w="9525">
+                <a14:hiddenLine xmlns:a14="http://schemas.microsoft.com/office/drawing/2010/main" xmlns="" w="9525">
                   <a:solidFill>
                     <a:srgbClr val="000000"/>
                   </a:solidFill>
@@ -1318,7 +1333,7 @@
             </a:ln>
             <a:extLst>
               <a:ext uri="{91240B29-F687-4f45-9708-019B960494DF}">
-                <a14:hiddenLine xmlns="" xmlns:a14="http://schemas.microsoft.com/office/drawing/2010/main" w="9525">
+                <a14:hiddenLine xmlns:a14="http://schemas.microsoft.com/office/drawing/2010/main" xmlns="" w="9525">
                   <a:solidFill>
                     <a:srgbClr val="000000"/>
                   </a:solidFill>
@@ -1408,7 +1423,7 @@
             </a:ln>
             <a:extLst>
               <a:ext uri="{91240B29-F687-4f45-9708-019B960494DF}">
-                <a14:hiddenLine xmlns="" xmlns:a14="http://schemas.microsoft.com/office/drawing/2010/main" w="9525">
+                <a14:hiddenLine xmlns:a14="http://schemas.microsoft.com/office/drawing/2010/main" xmlns="" w="9525">
                   <a:solidFill>
                     <a:srgbClr val="000000"/>
                   </a:solidFill>
@@ -1498,7 +1513,7 @@
             </a:ln>
             <a:extLst>
               <a:ext uri="{91240B29-F687-4f45-9708-019B960494DF}">
-                <a14:hiddenLine xmlns="" xmlns:a14="http://schemas.microsoft.com/office/drawing/2010/main" w="9525">
+                <a14:hiddenLine xmlns:a14="http://schemas.microsoft.com/office/drawing/2010/main" xmlns="" w="9525">
                   <a:solidFill>
                     <a:srgbClr val="000000"/>
                   </a:solidFill>
@@ -1560,7 +1575,7 @@
             </a:ln>
             <a:extLst>
               <a:ext uri="{91240B29-F687-4f45-9708-019B960494DF}">
-                <a14:hiddenLine xmlns="" xmlns:a14="http://schemas.microsoft.com/office/drawing/2010/main" w="9525">
+                <a14:hiddenLine xmlns:a14="http://schemas.microsoft.com/office/drawing/2010/main" xmlns="" w="9525">
                   <a:solidFill>
                     <a:srgbClr val="000000"/>
                   </a:solidFill>
@@ -1650,7 +1665,7 @@
             </a:ln>
             <a:extLst>
               <a:ext uri="{91240B29-F687-4f45-9708-019B960494DF}">
-                <a14:hiddenLine xmlns="" xmlns:a14="http://schemas.microsoft.com/office/drawing/2010/main" w="9525">
+                <a14:hiddenLine xmlns:a14="http://schemas.microsoft.com/office/drawing/2010/main" xmlns="" w="9525">
                   <a:solidFill>
                     <a:srgbClr val="000000"/>
                   </a:solidFill>
@@ -1740,7 +1755,7 @@
             </a:ln>
             <a:extLst>
               <a:ext uri="{91240B29-F687-4f45-9708-019B960494DF}">
-                <a14:hiddenLine xmlns="" xmlns:a14="http://schemas.microsoft.com/office/drawing/2010/main" w="9525">
+                <a14:hiddenLine xmlns:a14="http://schemas.microsoft.com/office/drawing/2010/main" xmlns="" w="9525">
                   <a:solidFill>
                     <a:srgbClr val="000000"/>
                   </a:solidFill>
@@ -1796,7 +1811,7 @@
             </a:ln>
             <a:extLst>
               <a:ext uri="{91240B29-F687-4f45-9708-019B960494DF}">
-                <a14:hiddenLine xmlns="" xmlns:a14="http://schemas.microsoft.com/office/drawing/2010/main" w="9525">
+                <a14:hiddenLine xmlns:a14="http://schemas.microsoft.com/office/drawing/2010/main" xmlns="" w="9525">
                   <a:solidFill>
                     <a:srgbClr val="000000"/>
                   </a:solidFill>
@@ -1886,7 +1901,7 @@
             </a:ln>
             <a:extLst>
               <a:ext uri="{91240B29-F687-4f45-9708-019B960494DF}">
-                <a14:hiddenLine xmlns="" xmlns:a14="http://schemas.microsoft.com/office/drawing/2010/main" w="9525">
+                <a14:hiddenLine xmlns:a14="http://schemas.microsoft.com/office/drawing/2010/main" xmlns="" w="9525">
                   <a:solidFill>
                     <a:srgbClr val="000000"/>
                   </a:solidFill>
@@ -1942,7 +1957,7 @@
             </a:ln>
             <a:extLst>
               <a:ext uri="{91240B29-F687-4f45-9708-019B960494DF}">
-                <a14:hiddenLine xmlns="" xmlns:a14="http://schemas.microsoft.com/office/drawing/2010/main" w="9525">
+                <a14:hiddenLine xmlns:a14="http://schemas.microsoft.com/office/drawing/2010/main" xmlns="" w="9525">
                   <a:solidFill>
                     <a:srgbClr val="000000"/>
                   </a:solidFill>
@@ -2032,7 +2047,7 @@
             </a:ln>
             <a:extLst>
               <a:ext uri="{91240B29-F687-4f45-9708-019B960494DF}">
-                <a14:hiddenLine xmlns="" xmlns:a14="http://schemas.microsoft.com/office/drawing/2010/main" w="9525">
+                <a14:hiddenLine xmlns:a14="http://schemas.microsoft.com/office/drawing/2010/main" xmlns="" w="9525">
                   <a:solidFill>
                     <a:srgbClr val="000000"/>
                   </a:solidFill>
@@ -2100,7 +2115,7 @@
             </a:ln>
             <a:extLst>
               <a:ext uri="{91240B29-F687-4f45-9708-019B960494DF}">
-                <a14:hiddenLine xmlns="" xmlns:a14="http://schemas.microsoft.com/office/drawing/2010/main" w="9525">
+                <a14:hiddenLine xmlns:a14="http://schemas.microsoft.com/office/drawing/2010/main" xmlns="" w="9525">
                   <a:solidFill>
                     <a:srgbClr val="000000"/>
                   </a:solidFill>
@@ -2190,7 +2205,7 @@
             </a:ln>
             <a:extLst>
               <a:ext uri="{91240B29-F687-4f45-9708-019B960494DF}">
-                <a14:hiddenLine xmlns="" xmlns:a14="http://schemas.microsoft.com/office/drawing/2010/main" w="9525">
+                <a14:hiddenLine xmlns:a14="http://schemas.microsoft.com/office/drawing/2010/main" xmlns="" w="9525">
                   <a:solidFill>
                     <a:srgbClr val="000000"/>
                   </a:solidFill>
@@ -2258,7 +2273,7 @@
             </a:ln>
             <a:extLst>
               <a:ext uri="{91240B29-F687-4f45-9708-019B960494DF}">
-                <a14:hiddenLine xmlns="" xmlns:a14="http://schemas.microsoft.com/office/drawing/2010/main" w="9525">
+                <a14:hiddenLine xmlns:a14="http://schemas.microsoft.com/office/drawing/2010/main" xmlns="" w="9525">
                   <a:solidFill>
                     <a:srgbClr val="000000"/>
                   </a:solidFill>
@@ -2348,7 +2363,7 @@
             </a:ln>
             <a:extLst>
               <a:ext uri="{91240B29-F687-4f45-9708-019B960494DF}">
-                <a14:hiddenLine xmlns="" xmlns:a14="http://schemas.microsoft.com/office/drawing/2010/main" w="9525">
+                <a14:hiddenLine xmlns:a14="http://schemas.microsoft.com/office/drawing/2010/main" xmlns="" w="9525">
                   <a:solidFill>
                     <a:srgbClr val="000000"/>
                   </a:solidFill>
@@ -2382,7 +2397,7 @@
             </a:ln>
             <a:extLst>
               <a:ext uri="{91240B29-F687-4f45-9708-019B960494DF}">
-                <a14:hiddenLine xmlns="" xmlns:a14="http://schemas.microsoft.com/office/drawing/2010/main" w="9525">
+                <a14:hiddenLine xmlns:a14="http://schemas.microsoft.com/office/drawing/2010/main" xmlns="" w="9525">
                   <a:solidFill>
                     <a:srgbClr val="000000"/>
                   </a:solidFill>
@@ -2472,7 +2487,7 @@
             </a:ln>
             <a:extLst>
               <a:ext uri="{91240B29-F687-4f45-9708-019B960494DF}">
-                <a14:hiddenLine xmlns="" xmlns:a14="http://schemas.microsoft.com/office/drawing/2010/main" w="9525">
+                <a14:hiddenLine xmlns:a14="http://schemas.microsoft.com/office/drawing/2010/main" xmlns="" w="9525">
                   <a:solidFill>
                     <a:srgbClr val="000000"/>
                   </a:solidFill>
@@ -2534,7 +2549,7 @@
             </a:ln>
             <a:extLst>
               <a:ext uri="{91240B29-F687-4f45-9708-019B960494DF}">
-                <a14:hiddenLine xmlns="" xmlns:a14="http://schemas.microsoft.com/office/drawing/2010/main" w="9525">
+                <a14:hiddenLine xmlns:a14="http://schemas.microsoft.com/office/drawing/2010/main" xmlns="" w="9525">
                   <a:solidFill>
                     <a:srgbClr val="000000"/>
                   </a:solidFill>
@@ -2596,7 +2611,7 @@
             </a:ln>
             <a:extLst>
               <a:ext uri="{91240B29-F687-4f45-9708-019B960494DF}">
-                <a14:hiddenLine xmlns="" xmlns:a14="http://schemas.microsoft.com/office/drawing/2010/main" w="9525">
+                <a14:hiddenLine xmlns:a14="http://schemas.microsoft.com/office/drawing/2010/main" xmlns="" w="9525">
                   <a:solidFill>
                     <a:srgbClr val="000000"/>
                   </a:solidFill>
@@ -2686,7 +2701,7 @@
             </a:ln>
             <a:extLst>
               <a:ext uri="{91240B29-F687-4f45-9708-019B960494DF}">
-                <a14:hiddenLine xmlns="" xmlns:a14="http://schemas.microsoft.com/office/drawing/2010/main" w="9525">
+                <a14:hiddenLine xmlns:a14="http://schemas.microsoft.com/office/drawing/2010/main" xmlns="" w="9525">
                   <a:solidFill>
                     <a:srgbClr val="000000"/>
                   </a:solidFill>
@@ -2754,7 +2769,7 @@
             </a:ln>
             <a:extLst>
               <a:ext uri="{91240B29-F687-4f45-9708-019B960494DF}">
-                <a14:hiddenLine xmlns="" xmlns:a14="http://schemas.microsoft.com/office/drawing/2010/main" w="9525">
+                <a14:hiddenLine xmlns:a14="http://schemas.microsoft.com/office/drawing/2010/main" xmlns="" w="9525">
                   <a:solidFill>
                     <a:srgbClr val="000000"/>
                   </a:solidFill>
@@ -2816,7 +2831,7 @@
             </a:ln>
             <a:extLst>
               <a:ext uri="{91240B29-F687-4f45-9708-019B960494DF}">
-                <a14:hiddenLine xmlns="" xmlns:a14="http://schemas.microsoft.com/office/drawing/2010/main" w="9525">
+                <a14:hiddenLine xmlns:a14="http://schemas.microsoft.com/office/drawing/2010/main" xmlns="" w="9525">
                   <a:solidFill>
                     <a:srgbClr val="000000"/>
                   </a:solidFill>
@@ -2906,7 +2921,7 @@
             </a:ln>
             <a:extLst>
               <a:ext uri="{91240B29-F687-4f45-9708-019B960494DF}">
-                <a14:hiddenLine xmlns="" xmlns:a14="http://schemas.microsoft.com/office/drawing/2010/main" w="9525">
+                <a14:hiddenLine xmlns:a14="http://schemas.microsoft.com/office/drawing/2010/main" xmlns="" w="9525">
                   <a:solidFill>
                     <a:srgbClr val="000000"/>
                   </a:solidFill>
@@ -2968,7 +2983,7 @@
             </a:ln>
             <a:extLst>
               <a:ext uri="{91240B29-F687-4f45-9708-019B960494DF}">
-                <a14:hiddenLine xmlns="" xmlns:a14="http://schemas.microsoft.com/office/drawing/2010/main" w="9525">
+                <a14:hiddenLine xmlns:a14="http://schemas.microsoft.com/office/drawing/2010/main" xmlns="" w="9525">
                   <a:solidFill>
                     <a:srgbClr val="000000"/>
                   </a:solidFill>
@@ -3058,7 +3073,7 @@
             </a:ln>
             <a:extLst>
               <a:ext uri="{91240B29-F687-4f45-9708-019B960494DF}">
-                <a14:hiddenLine xmlns="" xmlns:a14="http://schemas.microsoft.com/office/drawing/2010/main" w="9525">
+                <a14:hiddenLine xmlns:a14="http://schemas.microsoft.com/office/drawing/2010/main" xmlns="" w="9525">
                   <a:solidFill>
                     <a:srgbClr val="000000"/>
                   </a:solidFill>
@@ -3120,7 +3135,7 @@
             </a:ln>
             <a:extLst>
               <a:ext uri="{91240B29-F687-4f45-9708-019B960494DF}">
-                <a14:hiddenLine xmlns="" xmlns:a14="http://schemas.microsoft.com/office/drawing/2010/main" w="9525">
+                <a14:hiddenLine xmlns:a14="http://schemas.microsoft.com/office/drawing/2010/main" xmlns="" w="9525">
                   <a:solidFill>
                     <a:srgbClr val="000000"/>
                   </a:solidFill>
@@ -3210,7 +3225,7 @@
             </a:ln>
             <a:extLst>
               <a:ext uri="{91240B29-F687-4f45-9708-019B960494DF}">
-                <a14:hiddenLine xmlns="" xmlns:a14="http://schemas.microsoft.com/office/drawing/2010/main" w="9525">
+                <a14:hiddenLine xmlns:a14="http://schemas.microsoft.com/office/drawing/2010/main" xmlns="" w="9525">
                   <a:solidFill>
                     <a:srgbClr val="000000"/>
                   </a:solidFill>
@@ -3244,7 +3259,7 @@
             </a:ln>
             <a:extLst>
               <a:ext uri="{91240B29-F687-4f45-9708-019B960494DF}">
-                <a14:hiddenLine xmlns="" xmlns:a14="http://schemas.microsoft.com/office/drawing/2010/main" w="9525">
+                <a14:hiddenLine xmlns:a14="http://schemas.microsoft.com/office/drawing/2010/main" xmlns="" w="9525">
                   <a:solidFill>
                     <a:srgbClr val="000000"/>
                   </a:solidFill>
@@ -3309,7 +3324,7 @@
             </a:ln>
             <a:extLst>
               <a:ext uri="{91240B29-F687-4f45-9708-019B960494DF}">
-                <a14:hiddenLine xmlns="" xmlns:a14="http://schemas.microsoft.com/office/drawing/2010/main" w="9525">
+                <a14:hiddenLine xmlns:a14="http://schemas.microsoft.com/office/drawing/2010/main" xmlns="" w="9525">
                   <a:solidFill>
                     <a:srgbClr val="000000"/>
                   </a:solidFill>
@@ -3399,7 +3414,7 @@
             </a:ln>
             <a:extLst>
               <a:ext uri="{91240B29-F687-4f45-9708-019B960494DF}">
-                <a14:hiddenLine xmlns="" xmlns:a14="http://schemas.microsoft.com/office/drawing/2010/main" w="9525">
+                <a14:hiddenLine xmlns:a14="http://schemas.microsoft.com/office/drawing/2010/main" xmlns="" w="9525">
                   <a:solidFill>
                     <a:srgbClr val="000000"/>
                   </a:solidFill>
@@ -3461,7 +3476,7 @@
             </a:ln>
             <a:extLst>
               <a:ext uri="{91240B29-F687-4f45-9708-019B960494DF}">
-                <a14:hiddenLine xmlns="" xmlns:a14="http://schemas.microsoft.com/office/drawing/2010/main" w="9525">
+                <a14:hiddenLine xmlns:a14="http://schemas.microsoft.com/office/drawing/2010/main" xmlns="" w="9525">
                   <a:solidFill>
                     <a:srgbClr val="000000"/>
                   </a:solidFill>
@@ -3551,7 +3566,7 @@
             </a:ln>
             <a:extLst>
               <a:ext uri="{91240B29-F687-4f45-9708-019B960494DF}">
-                <a14:hiddenLine xmlns="" xmlns:a14="http://schemas.microsoft.com/office/drawing/2010/main" w="9525">
+                <a14:hiddenLine xmlns:a14="http://schemas.microsoft.com/office/drawing/2010/main" xmlns="" w="9525">
                   <a:solidFill>
                     <a:srgbClr val="000000"/>
                   </a:solidFill>
@@ -3641,7 +3656,7 @@
             </a:ln>
             <a:extLst>
               <a:ext uri="{91240B29-F687-4f45-9708-019B960494DF}">
-                <a14:hiddenLine xmlns="" xmlns:a14="http://schemas.microsoft.com/office/drawing/2010/main" w="9525">
+                <a14:hiddenLine xmlns:a14="http://schemas.microsoft.com/office/drawing/2010/main" xmlns="" w="9525">
                   <a:solidFill>
                     <a:srgbClr val="000000"/>
                   </a:solidFill>
@@ -3706,7 +3721,7 @@
             </a:ln>
             <a:extLst>
               <a:ext uri="{91240B29-F687-4f45-9708-019B960494DF}">
-                <a14:hiddenLine xmlns="" xmlns:a14="http://schemas.microsoft.com/office/drawing/2010/main" w="9525">
+                <a14:hiddenLine xmlns:a14="http://schemas.microsoft.com/office/drawing/2010/main" xmlns="" w="9525">
                   <a:solidFill>
                     <a:srgbClr val="000000"/>
                   </a:solidFill>
@@ -3768,7 +3783,7 @@
             </a:ln>
             <a:extLst>
               <a:ext uri="{91240B29-F687-4f45-9708-019B960494DF}">
-                <a14:hiddenLine xmlns="" xmlns:a14="http://schemas.microsoft.com/office/drawing/2010/main" w="9525">
+                <a14:hiddenLine xmlns:a14="http://schemas.microsoft.com/office/drawing/2010/main" xmlns="" w="9525">
                   <a:solidFill>
                     <a:srgbClr val="000000"/>
                   </a:solidFill>
@@ -3858,7 +3873,7 @@
             </a:ln>
             <a:extLst>
               <a:ext uri="{91240B29-F687-4f45-9708-019B960494DF}">
-                <a14:hiddenLine xmlns="" xmlns:a14="http://schemas.microsoft.com/office/drawing/2010/main" w="9525">
+                <a14:hiddenLine xmlns:a14="http://schemas.microsoft.com/office/drawing/2010/main" xmlns="" w="9525">
                   <a:solidFill>
                     <a:srgbClr val="000000"/>
                   </a:solidFill>
@@ -3948,7 +3963,7 @@
             </a:ln>
             <a:extLst>
               <a:ext uri="{91240B29-F687-4f45-9708-019B960494DF}">
-                <a14:hiddenLine xmlns="" xmlns:a14="http://schemas.microsoft.com/office/drawing/2010/main" w="9525">
+                <a14:hiddenLine xmlns:a14="http://schemas.microsoft.com/office/drawing/2010/main" xmlns="" w="9525">
                   <a:solidFill>
                     <a:srgbClr val="000000"/>
                   </a:solidFill>
@@ -4010,7 +4025,7 @@
             </a:ln>
             <a:extLst>
               <a:ext uri="{91240B29-F687-4f45-9708-019B960494DF}">
-                <a14:hiddenLine xmlns="" xmlns:a14="http://schemas.microsoft.com/office/drawing/2010/main" w="9525">
+                <a14:hiddenLine xmlns:a14="http://schemas.microsoft.com/office/drawing/2010/main" xmlns="" w="9525">
                   <a:solidFill>
                     <a:srgbClr val="000000"/>
                   </a:solidFill>
@@ -4130,7 +4145,7 @@
             </a:ln>
             <a:extLst>
               <a:ext uri="{91240B29-F687-4f45-9708-019B960494DF}">
-                <a14:hiddenLine xmlns="" xmlns:a14="http://schemas.microsoft.com/office/drawing/2010/main" w="9525">
+                <a14:hiddenLine xmlns:a14="http://schemas.microsoft.com/office/drawing/2010/main" xmlns="" w="9525">
                   <a:solidFill>
                     <a:srgbClr val="000000"/>
                   </a:solidFill>
@@ -4198,7 +4213,7 @@
             </a:ln>
             <a:extLst>
               <a:ext uri="{91240B29-F687-4f45-9708-019B960494DF}">
-                <a14:hiddenLine xmlns="" xmlns:a14="http://schemas.microsoft.com/office/drawing/2010/main" w="9525">
+                <a14:hiddenLine xmlns:a14="http://schemas.microsoft.com/office/drawing/2010/main" xmlns="" w="9525">
                   <a:solidFill>
                     <a:srgbClr val="000000"/>
                   </a:solidFill>
@@ -4288,7 +4303,7 @@
             </a:ln>
             <a:extLst>
               <a:ext uri="{91240B29-F687-4f45-9708-019B960494DF}">
-                <a14:hiddenLine xmlns="" xmlns:a14="http://schemas.microsoft.com/office/drawing/2010/main" w="9525">
+                <a14:hiddenLine xmlns:a14="http://schemas.microsoft.com/office/drawing/2010/main" xmlns="" w="9525">
                   <a:solidFill>
                     <a:srgbClr val="000000"/>
                   </a:solidFill>
@@ -9102,7 +9117,7 @@
           <a:noFill/>
           <a:extLst>
             <a:ext uri="{909E8E84-426E-40dd-AFC4-6F175D3DCCD1}">
-              <a14:hiddenFill xmlns="" xmlns:a14="http://schemas.microsoft.com/office/drawing/2010/main">
+              <a14:hiddenFill xmlns:a14="http://schemas.microsoft.com/office/drawing/2010/main" xmlns="">
                 <a:solidFill>
                   <a:srgbClr val="FFFFFF"/>
                 </a:solidFill>
@@ -9176,7 +9191,7 @@
               </a:ln>
               <a:extLst>
                 <a:ext uri="{91240B29-F687-4f45-9708-019B960494DF}">
-                  <a14:hiddenLine xmlns="" xmlns:a14="http://schemas.microsoft.com/office/drawing/2010/main" w="9525">
+                  <a14:hiddenLine xmlns:a14="http://schemas.microsoft.com/office/drawing/2010/main" xmlns="" w="9525">
                     <a:solidFill>
                       <a:srgbClr val="000000"/>
                     </a:solidFill>
@@ -9266,7 +9281,7 @@
               </a:ln>
               <a:extLst>
                 <a:ext uri="{91240B29-F687-4f45-9708-019B960494DF}">
-                  <a14:hiddenLine xmlns="" xmlns:a14="http://schemas.microsoft.com/office/drawing/2010/main" w="9525">
+                  <a14:hiddenLine xmlns:a14="http://schemas.microsoft.com/office/drawing/2010/main" xmlns="" w="9525">
                     <a:solidFill>
                       <a:srgbClr val="000000"/>
                     </a:solidFill>
@@ -9356,7 +9371,7 @@
               </a:ln>
               <a:extLst>
                 <a:ext uri="{91240B29-F687-4f45-9708-019B960494DF}">
-                  <a14:hiddenLine xmlns="" xmlns:a14="http://schemas.microsoft.com/office/drawing/2010/main" w="9525">
+                  <a14:hiddenLine xmlns:a14="http://schemas.microsoft.com/office/drawing/2010/main" xmlns="" w="9525">
                     <a:solidFill>
                       <a:srgbClr val="000000"/>
                     </a:solidFill>
@@ -9418,7 +9433,7 @@
               </a:ln>
               <a:extLst>
                 <a:ext uri="{91240B29-F687-4f45-9708-019B960494DF}">
-                  <a14:hiddenLine xmlns="" xmlns:a14="http://schemas.microsoft.com/office/drawing/2010/main" w="9525">
+                  <a14:hiddenLine xmlns:a14="http://schemas.microsoft.com/office/drawing/2010/main" xmlns="" w="9525">
                     <a:solidFill>
                       <a:srgbClr val="000000"/>
                     </a:solidFill>
@@ -9508,7 +9523,7 @@
               </a:ln>
               <a:extLst>
                 <a:ext uri="{91240B29-F687-4f45-9708-019B960494DF}">
-                  <a14:hiddenLine xmlns="" xmlns:a14="http://schemas.microsoft.com/office/drawing/2010/main" w="9525">
+                  <a14:hiddenLine xmlns:a14="http://schemas.microsoft.com/office/drawing/2010/main" xmlns="" w="9525">
                     <a:solidFill>
                       <a:srgbClr val="000000"/>
                     </a:solidFill>
@@ -9570,7 +9585,7 @@
               </a:ln>
               <a:extLst>
                 <a:ext uri="{91240B29-F687-4f45-9708-019B960494DF}">
-                  <a14:hiddenLine xmlns="" xmlns:a14="http://schemas.microsoft.com/office/drawing/2010/main" w="9525">
+                  <a14:hiddenLine xmlns:a14="http://schemas.microsoft.com/office/drawing/2010/main" xmlns="" w="9525">
                     <a:solidFill>
                       <a:srgbClr val="000000"/>
                     </a:solidFill>
@@ -9632,7 +9647,7 @@
               </a:ln>
               <a:extLst>
                 <a:ext uri="{91240B29-F687-4f45-9708-019B960494DF}">
-                  <a14:hiddenLine xmlns="" xmlns:a14="http://schemas.microsoft.com/office/drawing/2010/main" w="9525">
+                  <a14:hiddenLine xmlns:a14="http://schemas.microsoft.com/office/drawing/2010/main" xmlns="" w="9525">
                     <a:solidFill>
                       <a:srgbClr val="000000"/>
                     </a:solidFill>
@@ -9722,7 +9737,7 @@
               </a:ln>
               <a:extLst>
                 <a:ext uri="{91240B29-F687-4f45-9708-019B960494DF}">
-                  <a14:hiddenLine xmlns="" xmlns:a14="http://schemas.microsoft.com/office/drawing/2010/main" w="9525">
+                  <a14:hiddenLine xmlns:a14="http://schemas.microsoft.com/office/drawing/2010/main" xmlns="" w="9525">
                     <a:solidFill>
                       <a:srgbClr val="000000"/>
                     </a:solidFill>
@@ -9812,7 +9827,7 @@
               </a:ln>
               <a:extLst>
                 <a:ext uri="{91240B29-F687-4f45-9708-019B960494DF}">
-                  <a14:hiddenLine xmlns="" xmlns:a14="http://schemas.microsoft.com/office/drawing/2010/main" w="9525">
+                  <a14:hiddenLine xmlns:a14="http://schemas.microsoft.com/office/drawing/2010/main" xmlns="" w="9525">
                     <a:solidFill>
                       <a:srgbClr val="000000"/>
                     </a:solidFill>
@@ -9874,7 +9889,7 @@
               </a:ln>
               <a:extLst>
                 <a:ext uri="{91240B29-F687-4f45-9708-019B960494DF}">
-                  <a14:hiddenLine xmlns="" xmlns:a14="http://schemas.microsoft.com/office/drawing/2010/main" w="9525">
+                  <a14:hiddenLine xmlns:a14="http://schemas.microsoft.com/office/drawing/2010/main" xmlns="" w="9525">
                     <a:solidFill>
                       <a:srgbClr val="000000"/>
                     </a:solidFill>
@@ -9984,7 +9999,7 @@
               </a:ln>
               <a:extLst>
                 <a:ext uri="{91240B29-F687-4f45-9708-019B960494DF}">
-                  <a14:hiddenLine xmlns="" xmlns:a14="http://schemas.microsoft.com/office/drawing/2010/main" w="9525">
+                  <a14:hiddenLine xmlns:a14="http://schemas.microsoft.com/office/drawing/2010/main" xmlns="" w="9525">
                     <a:solidFill>
                       <a:srgbClr val="000000"/>
                     </a:solidFill>
@@ -10068,7 +10083,7 @@
               </a:ln>
               <a:extLst>
                 <a:ext uri="{91240B29-F687-4f45-9708-019B960494DF}">
-                  <a14:hiddenLine xmlns="" xmlns:a14="http://schemas.microsoft.com/office/drawing/2010/main" w="9525">
+                  <a14:hiddenLine xmlns:a14="http://schemas.microsoft.com/office/drawing/2010/main" xmlns="" w="9525">
                     <a:solidFill>
                       <a:srgbClr val="000000"/>
                     </a:solidFill>
@@ -10130,7 +10145,7 @@
               </a:ln>
               <a:extLst>
                 <a:ext uri="{91240B29-F687-4f45-9708-019B960494DF}">
-                  <a14:hiddenLine xmlns="" xmlns:a14="http://schemas.microsoft.com/office/drawing/2010/main" w="9525">
+                  <a14:hiddenLine xmlns:a14="http://schemas.microsoft.com/office/drawing/2010/main" xmlns="" w="9525">
                     <a:solidFill>
                       <a:srgbClr val="000000"/>
                     </a:solidFill>
@@ -10192,7 +10207,7 @@
               </a:ln>
               <a:extLst>
                 <a:ext uri="{91240B29-F687-4f45-9708-019B960494DF}">
-                  <a14:hiddenLine xmlns="" xmlns:a14="http://schemas.microsoft.com/office/drawing/2010/main" w="9525">
+                  <a14:hiddenLine xmlns:a14="http://schemas.microsoft.com/office/drawing/2010/main" xmlns="" w="9525">
                     <a:solidFill>
                       <a:srgbClr val="000000"/>
                     </a:solidFill>
@@ -10282,7 +10297,7 @@
               </a:ln>
               <a:extLst>
                 <a:ext uri="{91240B29-F687-4f45-9708-019B960494DF}">
-                  <a14:hiddenLine xmlns="" xmlns:a14="http://schemas.microsoft.com/office/drawing/2010/main" w="9525">
+                  <a14:hiddenLine xmlns:a14="http://schemas.microsoft.com/office/drawing/2010/main" xmlns="" w="9525">
                     <a:solidFill>
                       <a:srgbClr val="000000"/>
                     </a:solidFill>
@@ -10316,7 +10331,7 @@
               </a:ln>
               <a:extLst>
                 <a:ext uri="{91240B29-F687-4f45-9708-019B960494DF}">
-                  <a14:hiddenLine xmlns="" xmlns:a14="http://schemas.microsoft.com/office/drawing/2010/main" w="9525">
+                  <a14:hiddenLine xmlns:a14="http://schemas.microsoft.com/office/drawing/2010/main" xmlns="" w="9525">
                     <a:solidFill>
                       <a:srgbClr val="000000"/>
                     </a:solidFill>
@@ -10381,7 +10396,7 @@
               </a:ln>
               <a:extLst>
                 <a:ext uri="{91240B29-F687-4f45-9708-019B960494DF}">
-                  <a14:hiddenLine xmlns="" xmlns:a14="http://schemas.microsoft.com/office/drawing/2010/main" w="9525">
+                  <a14:hiddenLine xmlns:a14="http://schemas.microsoft.com/office/drawing/2010/main" xmlns="" w="9525">
                     <a:solidFill>
                       <a:srgbClr val="000000"/>
                     </a:solidFill>
@@ -10471,7 +10486,7 @@
               </a:ln>
               <a:extLst>
                 <a:ext uri="{91240B29-F687-4f45-9708-019B960494DF}">
-                  <a14:hiddenLine xmlns="" xmlns:a14="http://schemas.microsoft.com/office/drawing/2010/main" w="9525">
+                  <a14:hiddenLine xmlns:a14="http://schemas.microsoft.com/office/drawing/2010/main" xmlns="" w="9525">
                     <a:solidFill>
                       <a:srgbClr val="000000"/>
                     </a:solidFill>
@@ -10533,7 +10548,7 @@
               </a:ln>
               <a:extLst>
                 <a:ext uri="{91240B29-F687-4f45-9708-019B960494DF}">
-                  <a14:hiddenLine xmlns="" xmlns:a14="http://schemas.microsoft.com/office/drawing/2010/main" w="9525">
+                  <a14:hiddenLine xmlns:a14="http://schemas.microsoft.com/office/drawing/2010/main" xmlns="" w="9525">
                     <a:solidFill>
                       <a:srgbClr val="000000"/>
                     </a:solidFill>
@@ -10623,7 +10638,7 @@
               </a:ln>
               <a:extLst>
                 <a:ext uri="{91240B29-F687-4f45-9708-019B960494DF}">
-                  <a14:hiddenLine xmlns="" xmlns:a14="http://schemas.microsoft.com/office/drawing/2010/main" w="9525">
+                  <a14:hiddenLine xmlns:a14="http://schemas.microsoft.com/office/drawing/2010/main" xmlns="" w="9525">
                     <a:solidFill>
                       <a:srgbClr val="000000"/>
                     </a:solidFill>
@@ -10688,7 +10703,7 @@
               </a:ln>
               <a:extLst>
                 <a:ext uri="{91240B29-F687-4f45-9708-019B960494DF}">
-                  <a14:hiddenLine xmlns="" xmlns:a14="http://schemas.microsoft.com/office/drawing/2010/main" w="9525">
+                  <a14:hiddenLine xmlns:a14="http://schemas.microsoft.com/office/drawing/2010/main" xmlns="" w="9525">
                     <a:solidFill>
                       <a:srgbClr val="000000"/>
                     </a:solidFill>
@@ -10750,7 +10765,7 @@
               </a:ln>
               <a:extLst>
                 <a:ext uri="{91240B29-F687-4f45-9708-019B960494DF}">
-                  <a14:hiddenLine xmlns="" xmlns:a14="http://schemas.microsoft.com/office/drawing/2010/main" w="9525">
+                  <a14:hiddenLine xmlns:a14="http://schemas.microsoft.com/office/drawing/2010/main" xmlns="" w="9525">
                     <a:solidFill>
                       <a:srgbClr val="000000"/>
                     </a:solidFill>
@@ -10840,7 +10855,7 @@
               </a:ln>
               <a:extLst>
                 <a:ext uri="{91240B29-F687-4f45-9708-019B960494DF}">
-                  <a14:hiddenLine xmlns="" xmlns:a14="http://schemas.microsoft.com/office/drawing/2010/main" w="9525">
+                  <a14:hiddenLine xmlns:a14="http://schemas.microsoft.com/office/drawing/2010/main" xmlns="" w="9525">
                     <a:solidFill>
                       <a:srgbClr val="000000"/>
                     </a:solidFill>
@@ -10930,7 +10945,7 @@
               </a:ln>
               <a:extLst>
                 <a:ext uri="{91240B29-F687-4f45-9708-019B960494DF}">
-                  <a14:hiddenLine xmlns="" xmlns:a14="http://schemas.microsoft.com/office/drawing/2010/main" w="9525">
+                  <a14:hiddenLine xmlns:a14="http://schemas.microsoft.com/office/drawing/2010/main" xmlns="" w="9525">
                     <a:solidFill>
                       <a:srgbClr val="000000"/>
                     </a:solidFill>
@@ -10995,7 +11010,7 @@
               </a:ln>
               <a:extLst>
                 <a:ext uri="{91240B29-F687-4f45-9708-019B960494DF}">
-                  <a14:hiddenLine xmlns="" xmlns:a14="http://schemas.microsoft.com/office/drawing/2010/main" w="9525">
+                  <a14:hiddenLine xmlns:a14="http://schemas.microsoft.com/office/drawing/2010/main" xmlns="" w="9525">
                     <a:solidFill>
                       <a:srgbClr val="000000"/>
                     </a:solidFill>
@@ -11115,7 +11130,7 @@
               </a:ln>
               <a:extLst>
                 <a:ext uri="{91240B29-F687-4f45-9708-019B960494DF}">
-                  <a14:hiddenLine xmlns="" xmlns:a14="http://schemas.microsoft.com/office/drawing/2010/main" w="9525">
+                  <a14:hiddenLine xmlns:a14="http://schemas.microsoft.com/office/drawing/2010/main" xmlns="" w="9525">
                     <a:solidFill>
                       <a:srgbClr val="000000"/>
                     </a:solidFill>
@@ -11196,7 +11211,7 @@
               </a:ln>
               <a:extLst>
                 <a:ext uri="{91240B29-F687-4f45-9708-019B960494DF}">
-                  <a14:hiddenLine xmlns="" xmlns:a14="http://schemas.microsoft.com/office/drawing/2010/main" w="9525">
+                  <a14:hiddenLine xmlns:a14="http://schemas.microsoft.com/office/drawing/2010/main" xmlns="" w="9525">
                     <a:solidFill>
                       <a:srgbClr val="000000"/>
                     </a:solidFill>
@@ -11311,7 +11326,7 @@
               </a:ln>
               <a:extLst>
                 <a:ext uri="{91240B29-F687-4f45-9708-019B960494DF}">
-                  <a14:hiddenLine xmlns="" xmlns:a14="http://schemas.microsoft.com/office/drawing/2010/main" w="9525">
+                  <a14:hiddenLine xmlns:a14="http://schemas.microsoft.com/office/drawing/2010/main" xmlns="" w="9525">
                     <a:solidFill>
                       <a:srgbClr val="000000"/>
                     </a:solidFill>
@@ -11401,7 +11416,7 @@
               </a:ln>
               <a:extLst>
                 <a:ext uri="{91240B29-F687-4f45-9708-019B960494DF}">
-                  <a14:hiddenLine xmlns="" xmlns:a14="http://schemas.microsoft.com/office/drawing/2010/main" w="9525">
+                  <a14:hiddenLine xmlns:a14="http://schemas.microsoft.com/office/drawing/2010/main" xmlns="" w="9525">
                     <a:solidFill>
                       <a:srgbClr val="000000"/>
                     </a:solidFill>
@@ -11466,7 +11481,7 @@
               </a:ln>
               <a:extLst>
                 <a:ext uri="{91240B29-F687-4f45-9708-019B960494DF}">
-                  <a14:hiddenLine xmlns="" xmlns:a14="http://schemas.microsoft.com/office/drawing/2010/main" w="9525">
+                  <a14:hiddenLine xmlns:a14="http://schemas.microsoft.com/office/drawing/2010/main" xmlns="" w="9525">
                     <a:solidFill>
                       <a:srgbClr val="000000"/>
                     </a:solidFill>
@@ -11556,7 +11571,7 @@
               </a:ln>
               <a:extLst>
                 <a:ext uri="{91240B29-F687-4f45-9708-019B960494DF}">
-                  <a14:hiddenLine xmlns="" xmlns:a14="http://schemas.microsoft.com/office/drawing/2010/main" w="9525">
+                  <a14:hiddenLine xmlns:a14="http://schemas.microsoft.com/office/drawing/2010/main" xmlns="" w="9525">
                     <a:solidFill>
                       <a:srgbClr val="000000"/>
                     </a:solidFill>
@@ -11624,7 +11639,7 @@
               </a:ln>
               <a:extLst>
                 <a:ext uri="{91240B29-F687-4f45-9708-019B960494DF}">
-                  <a14:hiddenLine xmlns="" xmlns:a14="http://schemas.microsoft.com/office/drawing/2010/main" w="9525">
+                  <a14:hiddenLine xmlns:a14="http://schemas.microsoft.com/office/drawing/2010/main" xmlns="" w="9525">
                     <a:solidFill>
                       <a:srgbClr val="000000"/>
                     </a:solidFill>
@@ -11714,7 +11729,7 @@
               </a:ln>
               <a:extLst>
                 <a:ext uri="{91240B29-F687-4f45-9708-019B960494DF}">
-                  <a14:hiddenLine xmlns="" xmlns:a14="http://schemas.microsoft.com/office/drawing/2010/main" w="9525">
+                  <a14:hiddenLine xmlns:a14="http://schemas.microsoft.com/office/drawing/2010/main" xmlns="" w="9525">
                     <a:solidFill>
                       <a:srgbClr val="000000"/>
                     </a:solidFill>
@@ -11782,7 +11797,7 @@
               </a:ln>
               <a:extLst>
                 <a:ext uri="{91240B29-F687-4f45-9708-019B960494DF}">
-                  <a14:hiddenLine xmlns="" xmlns:a14="http://schemas.microsoft.com/office/drawing/2010/main" w="9525">
+                  <a14:hiddenLine xmlns:a14="http://schemas.microsoft.com/office/drawing/2010/main" xmlns="" w="9525">
                     <a:solidFill>
                       <a:srgbClr val="000000"/>
                     </a:solidFill>
@@ -11872,7 +11887,7 @@
               </a:ln>
               <a:extLst>
                 <a:ext uri="{91240B29-F687-4f45-9708-019B960494DF}">
-                  <a14:hiddenLine xmlns="" xmlns:a14="http://schemas.microsoft.com/office/drawing/2010/main" w="9525">
+                  <a14:hiddenLine xmlns:a14="http://schemas.microsoft.com/office/drawing/2010/main" xmlns="" w="9525">
                     <a:solidFill>
                       <a:srgbClr val="000000"/>
                     </a:solidFill>
@@ -11906,7 +11921,7 @@
               </a:ln>
               <a:extLst>
                 <a:ext uri="{91240B29-F687-4f45-9708-019B960494DF}">
-                  <a14:hiddenLine xmlns="" xmlns:a14="http://schemas.microsoft.com/office/drawing/2010/main" w="9525">
+                  <a14:hiddenLine xmlns:a14="http://schemas.microsoft.com/office/drawing/2010/main" xmlns="" w="9525">
                     <a:solidFill>
                       <a:srgbClr val="000000"/>
                     </a:solidFill>
@@ -12927,15 +12942,7 @@
           <a:p>
             <a:r>
               <a:rPr lang="en-US" dirty="0"/>
-              <a:t>Demonstrate that the product </a:t>
-            </a:r>
-            <a:r>
-              <a:rPr lang="en-US"/>
-              <a:t>passes all </a:t>
-            </a:r>
-            <a:r>
-              <a:rPr lang="en-US" dirty="0"/>
-              <a:t>the test cases</a:t>
+              <a:t>Demonstrate that the product passes all the test cases</a:t>
             </a:r>
           </a:p>
           <a:p>
